--- a/next_step/Sylantiev/cdc_lab/Школа_цифрового_синтеза_2021 Асинхронные частоты, пересечение клоковых доменов и синхронизация.pptx
+++ b/next_step/Sylantiev/cdc_lab/Школа_цифрового_синтеза_2021 Асинхронные частоты, пересечение клоковых доменов и синхронизация.pptx
@@ -155,7 +155,7 @@
   </p:defaultTextStyle>
   <p:extLst>
     <p:ext uri="{EFAFB233-063F-42B5-8137-9DF3F51BA10A}">
-      <p15:sldGuideLst xmlns:p15="http://schemas.microsoft.com/office/powerpoint/2012/main">
+      <p15:sldGuideLst xmlns="" xmlns:p15="http://schemas.microsoft.com/office/powerpoint/2012/main">
         <p15:guide id="1" orient="horz" pos="2160">
           <p15:clr>
             <a:srgbClr val="A4A3A4"/>
@@ -254,7 +254,7 @@
           <a:p>
             <a:fld id="{D2E3AE93-1172-458C-A90F-DF9923910E45}" type="datetimeFigureOut">
               <a:rPr lang="ru-RU" smtClean="0"/>
-              <a:t>11.03.2022</a:t>
+              <a:t>17.03.2022</a:t>
             </a:fld>
             <a:endParaRPr lang="ru-RU"/>
           </a:p>
@@ -2475,7 +2475,7 @@
           <p:cNvPr id="2" name="Заголовок 1">
             <a:extLst>
               <a:ext uri="{FF2B5EF4-FFF2-40B4-BE49-F238E27FC236}">
-                <a16:creationId xmlns:a16="http://schemas.microsoft.com/office/drawing/2014/main" id="{4A8169FC-A0A8-41C0-8CBD-80C2B1A652F3}"/>
+                <a16:creationId xmlns="" xmlns:a16="http://schemas.microsoft.com/office/drawing/2014/main" id="{4A8169FC-A0A8-41C0-8CBD-80C2B1A652F3}"/>
               </a:ext>
             </a:extLst>
           </p:cNvPr>
@@ -2512,7 +2512,7 @@
           <p:cNvPr id="3" name="Подзаголовок 2">
             <a:extLst>
               <a:ext uri="{FF2B5EF4-FFF2-40B4-BE49-F238E27FC236}">
-                <a16:creationId xmlns:a16="http://schemas.microsoft.com/office/drawing/2014/main" id="{079C0972-0786-46A8-8D7F-574B6FEF5AA5}"/>
+                <a16:creationId xmlns="" xmlns:a16="http://schemas.microsoft.com/office/drawing/2014/main" id="{079C0972-0786-46A8-8D7F-574B6FEF5AA5}"/>
               </a:ext>
             </a:extLst>
           </p:cNvPr>
@@ -2582,7 +2582,7 @@
           <p:cNvPr id="4" name="Дата 3">
             <a:extLst>
               <a:ext uri="{FF2B5EF4-FFF2-40B4-BE49-F238E27FC236}">
-                <a16:creationId xmlns:a16="http://schemas.microsoft.com/office/drawing/2014/main" id="{3D918DD9-51E0-434C-93C9-3929E3915453}"/>
+                <a16:creationId xmlns="" xmlns:a16="http://schemas.microsoft.com/office/drawing/2014/main" id="{3D918DD9-51E0-434C-93C9-3929E3915453}"/>
               </a:ext>
             </a:extLst>
           </p:cNvPr>
@@ -2600,7 +2600,7 @@
           <a:p>
             <a:fld id="{C8F13503-BFC4-49C1-A92E-283F3235C36F}" type="datetime1">
               <a:rPr lang="ru-RU" smtClean="0"/>
-              <a:t>11.03.2022</a:t>
+              <a:t>17.03.2022</a:t>
             </a:fld>
             <a:endParaRPr lang="ru-RU"/>
           </a:p>
@@ -2611,7 +2611,7 @@
           <p:cNvPr id="5" name="Нижний колонтитул 4">
             <a:extLst>
               <a:ext uri="{FF2B5EF4-FFF2-40B4-BE49-F238E27FC236}">
-                <a16:creationId xmlns:a16="http://schemas.microsoft.com/office/drawing/2014/main" id="{EFB5C6FF-DD8E-4325-843D-1F40C8781CFB}"/>
+                <a16:creationId xmlns="" xmlns:a16="http://schemas.microsoft.com/office/drawing/2014/main" id="{EFB5C6FF-DD8E-4325-843D-1F40C8781CFB}"/>
               </a:ext>
             </a:extLst>
           </p:cNvPr>
@@ -2636,7 +2636,7 @@
           <p:cNvPr id="6" name="Номер слайда 5">
             <a:extLst>
               <a:ext uri="{FF2B5EF4-FFF2-40B4-BE49-F238E27FC236}">
-                <a16:creationId xmlns:a16="http://schemas.microsoft.com/office/drawing/2014/main" id="{A29FB734-13EC-4027-A0AE-5469C009C60D}"/>
+                <a16:creationId xmlns="" xmlns:a16="http://schemas.microsoft.com/office/drawing/2014/main" id="{A29FB734-13EC-4027-A0AE-5469C009C60D}"/>
               </a:ext>
             </a:extLst>
           </p:cNvPr>
@@ -2695,7 +2695,7 @@
           <p:cNvPr id="2" name="Заголовок 1">
             <a:extLst>
               <a:ext uri="{FF2B5EF4-FFF2-40B4-BE49-F238E27FC236}">
-                <a16:creationId xmlns:a16="http://schemas.microsoft.com/office/drawing/2014/main" id="{5C5FD133-9348-4D51-814F-273E2B5CC26E}"/>
+                <a16:creationId xmlns="" xmlns:a16="http://schemas.microsoft.com/office/drawing/2014/main" id="{5C5FD133-9348-4D51-814F-273E2B5CC26E}"/>
               </a:ext>
             </a:extLst>
           </p:cNvPr>
@@ -2723,7 +2723,7 @@
           <p:cNvPr id="3" name="Вертикальный текст 2">
             <a:extLst>
               <a:ext uri="{FF2B5EF4-FFF2-40B4-BE49-F238E27FC236}">
-                <a16:creationId xmlns:a16="http://schemas.microsoft.com/office/drawing/2014/main" id="{93ADEDFF-E5A4-4FDA-AB36-803C63C22C34}"/>
+                <a16:creationId xmlns="" xmlns:a16="http://schemas.microsoft.com/office/drawing/2014/main" id="{93ADEDFF-E5A4-4FDA-AB36-803C63C22C34}"/>
               </a:ext>
             </a:extLst>
           </p:cNvPr>
@@ -2780,7 +2780,7 @@
           <p:cNvPr id="4" name="Дата 3">
             <a:extLst>
               <a:ext uri="{FF2B5EF4-FFF2-40B4-BE49-F238E27FC236}">
-                <a16:creationId xmlns:a16="http://schemas.microsoft.com/office/drawing/2014/main" id="{E16DD6F4-E41A-407F-BFE5-5037942511B9}"/>
+                <a16:creationId xmlns="" xmlns:a16="http://schemas.microsoft.com/office/drawing/2014/main" id="{E16DD6F4-E41A-407F-BFE5-5037942511B9}"/>
               </a:ext>
             </a:extLst>
           </p:cNvPr>
@@ -2798,7 +2798,7 @@
           <a:p>
             <a:fld id="{5F833B0E-809C-40BB-9253-4838954A6442}" type="datetime1">
               <a:rPr lang="ru-RU" smtClean="0"/>
-              <a:t>11.03.2022</a:t>
+              <a:t>17.03.2022</a:t>
             </a:fld>
             <a:endParaRPr lang="ru-RU"/>
           </a:p>
@@ -2809,7 +2809,7 @@
           <p:cNvPr id="5" name="Нижний колонтитул 4">
             <a:extLst>
               <a:ext uri="{FF2B5EF4-FFF2-40B4-BE49-F238E27FC236}">
-                <a16:creationId xmlns:a16="http://schemas.microsoft.com/office/drawing/2014/main" id="{346BE836-3BAB-4A6A-BE26-99B938B3FFDC}"/>
+                <a16:creationId xmlns="" xmlns:a16="http://schemas.microsoft.com/office/drawing/2014/main" id="{346BE836-3BAB-4A6A-BE26-99B938B3FFDC}"/>
               </a:ext>
             </a:extLst>
           </p:cNvPr>
@@ -2834,7 +2834,7 @@
           <p:cNvPr id="6" name="Номер слайда 5">
             <a:extLst>
               <a:ext uri="{FF2B5EF4-FFF2-40B4-BE49-F238E27FC236}">
-                <a16:creationId xmlns:a16="http://schemas.microsoft.com/office/drawing/2014/main" id="{041CD7C0-F98E-4515-B43A-908830A69441}"/>
+                <a16:creationId xmlns="" xmlns:a16="http://schemas.microsoft.com/office/drawing/2014/main" id="{041CD7C0-F98E-4515-B43A-908830A69441}"/>
               </a:ext>
             </a:extLst>
           </p:cNvPr>
@@ -2893,7 +2893,7 @@
           <p:cNvPr id="2" name="Вертикальный заголовок 1">
             <a:extLst>
               <a:ext uri="{FF2B5EF4-FFF2-40B4-BE49-F238E27FC236}">
-                <a16:creationId xmlns:a16="http://schemas.microsoft.com/office/drawing/2014/main" id="{AC8DD807-D36D-4059-A437-998D9883CBD3}"/>
+                <a16:creationId xmlns="" xmlns:a16="http://schemas.microsoft.com/office/drawing/2014/main" id="{AC8DD807-D36D-4059-A437-998D9883CBD3}"/>
               </a:ext>
             </a:extLst>
           </p:cNvPr>
@@ -2926,7 +2926,7 @@
           <p:cNvPr id="3" name="Вертикальный текст 2">
             <a:extLst>
               <a:ext uri="{FF2B5EF4-FFF2-40B4-BE49-F238E27FC236}">
-                <a16:creationId xmlns:a16="http://schemas.microsoft.com/office/drawing/2014/main" id="{069013E3-DB63-40A8-BD43-612C0FC88B99}"/>
+                <a16:creationId xmlns="" xmlns:a16="http://schemas.microsoft.com/office/drawing/2014/main" id="{069013E3-DB63-40A8-BD43-612C0FC88B99}"/>
               </a:ext>
             </a:extLst>
           </p:cNvPr>
@@ -2988,7 +2988,7 @@
           <p:cNvPr id="4" name="Дата 3">
             <a:extLst>
               <a:ext uri="{FF2B5EF4-FFF2-40B4-BE49-F238E27FC236}">
-                <a16:creationId xmlns:a16="http://schemas.microsoft.com/office/drawing/2014/main" id="{9F229084-184E-4B02-AA02-A43DFE3F4878}"/>
+                <a16:creationId xmlns="" xmlns:a16="http://schemas.microsoft.com/office/drawing/2014/main" id="{9F229084-184E-4B02-AA02-A43DFE3F4878}"/>
               </a:ext>
             </a:extLst>
           </p:cNvPr>
@@ -3006,7 +3006,7 @@
           <a:p>
             <a:fld id="{0DE0A5B1-127C-4A7D-BC7B-044BB929F246}" type="datetime1">
               <a:rPr lang="ru-RU" smtClean="0"/>
-              <a:t>11.03.2022</a:t>
+              <a:t>17.03.2022</a:t>
             </a:fld>
             <a:endParaRPr lang="ru-RU"/>
           </a:p>
@@ -3017,7 +3017,7 @@
           <p:cNvPr id="5" name="Нижний колонтитул 4">
             <a:extLst>
               <a:ext uri="{FF2B5EF4-FFF2-40B4-BE49-F238E27FC236}">
-                <a16:creationId xmlns:a16="http://schemas.microsoft.com/office/drawing/2014/main" id="{6CBF9859-F5A3-4A16-B5F3-AA0807B5D227}"/>
+                <a16:creationId xmlns="" xmlns:a16="http://schemas.microsoft.com/office/drawing/2014/main" id="{6CBF9859-F5A3-4A16-B5F3-AA0807B5D227}"/>
               </a:ext>
             </a:extLst>
           </p:cNvPr>
@@ -3042,7 +3042,7 @@
           <p:cNvPr id="6" name="Номер слайда 5">
             <a:extLst>
               <a:ext uri="{FF2B5EF4-FFF2-40B4-BE49-F238E27FC236}">
-                <a16:creationId xmlns:a16="http://schemas.microsoft.com/office/drawing/2014/main" id="{B2BEC70E-B8FD-477A-BA97-AF4A5C914B19}"/>
+                <a16:creationId xmlns="" xmlns:a16="http://schemas.microsoft.com/office/drawing/2014/main" id="{B2BEC70E-B8FD-477A-BA97-AF4A5C914B19}"/>
               </a:ext>
             </a:extLst>
           </p:cNvPr>
@@ -3101,7 +3101,7 @@
           <p:cNvPr id="2" name="Заголовок 1">
             <a:extLst>
               <a:ext uri="{FF2B5EF4-FFF2-40B4-BE49-F238E27FC236}">
-                <a16:creationId xmlns:a16="http://schemas.microsoft.com/office/drawing/2014/main" id="{D0A8EA8D-C92C-4D53-B9B2-3861915E0F96}"/>
+                <a16:creationId xmlns="" xmlns:a16="http://schemas.microsoft.com/office/drawing/2014/main" id="{D0A8EA8D-C92C-4D53-B9B2-3861915E0F96}"/>
               </a:ext>
             </a:extLst>
           </p:cNvPr>
@@ -3129,7 +3129,7 @@
           <p:cNvPr id="3" name="Объект 2">
             <a:extLst>
               <a:ext uri="{FF2B5EF4-FFF2-40B4-BE49-F238E27FC236}">
-                <a16:creationId xmlns:a16="http://schemas.microsoft.com/office/drawing/2014/main" id="{93A617C7-36F0-4C07-88FE-CD1298FC93D9}"/>
+                <a16:creationId xmlns="" xmlns:a16="http://schemas.microsoft.com/office/drawing/2014/main" id="{93A617C7-36F0-4C07-88FE-CD1298FC93D9}"/>
               </a:ext>
             </a:extLst>
           </p:cNvPr>
@@ -3186,7 +3186,7 @@
           <p:cNvPr id="4" name="Дата 3">
             <a:extLst>
               <a:ext uri="{FF2B5EF4-FFF2-40B4-BE49-F238E27FC236}">
-                <a16:creationId xmlns:a16="http://schemas.microsoft.com/office/drawing/2014/main" id="{C7E040AB-AAD0-418A-904A-B4EBD42D92F0}"/>
+                <a16:creationId xmlns="" xmlns:a16="http://schemas.microsoft.com/office/drawing/2014/main" id="{C7E040AB-AAD0-418A-904A-B4EBD42D92F0}"/>
               </a:ext>
             </a:extLst>
           </p:cNvPr>
@@ -3204,7 +3204,7 @@
           <a:p>
             <a:fld id="{DD50295C-BF9B-4AFC-84DB-59ADF99387C9}" type="datetime1">
               <a:rPr lang="ru-RU" smtClean="0"/>
-              <a:t>11.03.2022</a:t>
+              <a:t>17.03.2022</a:t>
             </a:fld>
             <a:endParaRPr lang="ru-RU"/>
           </a:p>
@@ -3215,7 +3215,7 @@
           <p:cNvPr id="5" name="Нижний колонтитул 4">
             <a:extLst>
               <a:ext uri="{FF2B5EF4-FFF2-40B4-BE49-F238E27FC236}">
-                <a16:creationId xmlns:a16="http://schemas.microsoft.com/office/drawing/2014/main" id="{5A2E2247-AA27-45E7-961C-A557FF06175F}"/>
+                <a16:creationId xmlns="" xmlns:a16="http://schemas.microsoft.com/office/drawing/2014/main" id="{5A2E2247-AA27-45E7-961C-A557FF06175F}"/>
               </a:ext>
             </a:extLst>
           </p:cNvPr>
@@ -3240,7 +3240,7 @@
           <p:cNvPr id="6" name="Номер слайда 5">
             <a:extLst>
               <a:ext uri="{FF2B5EF4-FFF2-40B4-BE49-F238E27FC236}">
-                <a16:creationId xmlns:a16="http://schemas.microsoft.com/office/drawing/2014/main" id="{B29C15BD-B235-406F-B810-2ABEC0B6E62A}"/>
+                <a16:creationId xmlns="" xmlns:a16="http://schemas.microsoft.com/office/drawing/2014/main" id="{B29C15BD-B235-406F-B810-2ABEC0B6E62A}"/>
               </a:ext>
             </a:extLst>
           </p:cNvPr>
@@ -3299,7 +3299,7 @@
           <p:cNvPr id="2" name="Заголовок 1">
             <a:extLst>
               <a:ext uri="{FF2B5EF4-FFF2-40B4-BE49-F238E27FC236}">
-                <a16:creationId xmlns:a16="http://schemas.microsoft.com/office/drawing/2014/main" id="{E7C2D4CA-A85A-428F-A9E2-0AD4ECBD19F0}"/>
+                <a16:creationId xmlns="" xmlns:a16="http://schemas.microsoft.com/office/drawing/2014/main" id="{E7C2D4CA-A85A-428F-A9E2-0AD4ECBD19F0}"/>
               </a:ext>
             </a:extLst>
           </p:cNvPr>
@@ -3336,7 +3336,7 @@
           <p:cNvPr id="3" name="Текст 2">
             <a:extLst>
               <a:ext uri="{FF2B5EF4-FFF2-40B4-BE49-F238E27FC236}">
-                <a16:creationId xmlns:a16="http://schemas.microsoft.com/office/drawing/2014/main" id="{C1C8A748-C022-4B4D-B77F-0B55F861B13D}"/>
+                <a16:creationId xmlns="" xmlns:a16="http://schemas.microsoft.com/office/drawing/2014/main" id="{C1C8A748-C022-4B4D-B77F-0B55F861B13D}"/>
               </a:ext>
             </a:extLst>
           </p:cNvPr>
@@ -3461,7 +3461,7 @@
           <p:cNvPr id="4" name="Дата 3">
             <a:extLst>
               <a:ext uri="{FF2B5EF4-FFF2-40B4-BE49-F238E27FC236}">
-                <a16:creationId xmlns:a16="http://schemas.microsoft.com/office/drawing/2014/main" id="{1184684A-6CD8-4990-A49B-D0815E258DA7}"/>
+                <a16:creationId xmlns="" xmlns:a16="http://schemas.microsoft.com/office/drawing/2014/main" id="{1184684A-6CD8-4990-A49B-D0815E258DA7}"/>
               </a:ext>
             </a:extLst>
           </p:cNvPr>
@@ -3479,7 +3479,7 @@
           <a:p>
             <a:fld id="{0203676F-F51A-419E-9D51-4D1F6A77CD7F}" type="datetime1">
               <a:rPr lang="ru-RU" smtClean="0"/>
-              <a:t>11.03.2022</a:t>
+              <a:t>17.03.2022</a:t>
             </a:fld>
             <a:endParaRPr lang="ru-RU"/>
           </a:p>
@@ -3490,7 +3490,7 @@
           <p:cNvPr id="5" name="Нижний колонтитул 4">
             <a:extLst>
               <a:ext uri="{FF2B5EF4-FFF2-40B4-BE49-F238E27FC236}">
-                <a16:creationId xmlns:a16="http://schemas.microsoft.com/office/drawing/2014/main" id="{6C2568A0-845D-4057-932C-CB12AC5ACA0A}"/>
+                <a16:creationId xmlns="" xmlns:a16="http://schemas.microsoft.com/office/drawing/2014/main" id="{6C2568A0-845D-4057-932C-CB12AC5ACA0A}"/>
               </a:ext>
             </a:extLst>
           </p:cNvPr>
@@ -3515,7 +3515,7 @@
           <p:cNvPr id="6" name="Номер слайда 5">
             <a:extLst>
               <a:ext uri="{FF2B5EF4-FFF2-40B4-BE49-F238E27FC236}">
-                <a16:creationId xmlns:a16="http://schemas.microsoft.com/office/drawing/2014/main" id="{B05BF19D-33FE-496C-BDBE-3A1A56083728}"/>
+                <a16:creationId xmlns="" xmlns:a16="http://schemas.microsoft.com/office/drawing/2014/main" id="{B05BF19D-33FE-496C-BDBE-3A1A56083728}"/>
               </a:ext>
             </a:extLst>
           </p:cNvPr>
@@ -3574,7 +3574,7 @@
           <p:cNvPr id="2" name="Заголовок 1">
             <a:extLst>
               <a:ext uri="{FF2B5EF4-FFF2-40B4-BE49-F238E27FC236}">
-                <a16:creationId xmlns:a16="http://schemas.microsoft.com/office/drawing/2014/main" id="{0F03C640-CB33-4644-8E8C-C053E302B0B2}"/>
+                <a16:creationId xmlns="" xmlns:a16="http://schemas.microsoft.com/office/drawing/2014/main" id="{0F03C640-CB33-4644-8E8C-C053E302B0B2}"/>
               </a:ext>
             </a:extLst>
           </p:cNvPr>
@@ -3602,7 +3602,7 @@
           <p:cNvPr id="3" name="Объект 2">
             <a:extLst>
               <a:ext uri="{FF2B5EF4-FFF2-40B4-BE49-F238E27FC236}">
-                <a16:creationId xmlns:a16="http://schemas.microsoft.com/office/drawing/2014/main" id="{5EFCE0C1-748A-4E59-BFC0-DBDF4F015626}"/>
+                <a16:creationId xmlns="" xmlns:a16="http://schemas.microsoft.com/office/drawing/2014/main" id="{5EFCE0C1-748A-4E59-BFC0-DBDF4F015626}"/>
               </a:ext>
             </a:extLst>
           </p:cNvPr>
@@ -3664,7 +3664,7 @@
           <p:cNvPr id="4" name="Объект 3">
             <a:extLst>
               <a:ext uri="{FF2B5EF4-FFF2-40B4-BE49-F238E27FC236}">
-                <a16:creationId xmlns:a16="http://schemas.microsoft.com/office/drawing/2014/main" id="{99F7BD45-26D4-429F-BF5C-D6AC4EA307AD}"/>
+                <a16:creationId xmlns="" xmlns:a16="http://schemas.microsoft.com/office/drawing/2014/main" id="{99F7BD45-26D4-429F-BF5C-D6AC4EA307AD}"/>
               </a:ext>
             </a:extLst>
           </p:cNvPr>
@@ -3726,7 +3726,7 @@
           <p:cNvPr id="5" name="Дата 4">
             <a:extLst>
               <a:ext uri="{FF2B5EF4-FFF2-40B4-BE49-F238E27FC236}">
-                <a16:creationId xmlns:a16="http://schemas.microsoft.com/office/drawing/2014/main" id="{5EF483EA-2CBB-45B8-A87E-87165D9E4940}"/>
+                <a16:creationId xmlns="" xmlns:a16="http://schemas.microsoft.com/office/drawing/2014/main" id="{5EF483EA-2CBB-45B8-A87E-87165D9E4940}"/>
               </a:ext>
             </a:extLst>
           </p:cNvPr>
@@ -3744,7 +3744,7 @@
           <a:p>
             <a:fld id="{1BBDF609-BAFA-4761-9658-09C13CF77B0D}" type="datetime1">
               <a:rPr lang="ru-RU" smtClean="0"/>
-              <a:t>11.03.2022</a:t>
+              <a:t>17.03.2022</a:t>
             </a:fld>
             <a:endParaRPr lang="ru-RU"/>
           </a:p>
@@ -3755,7 +3755,7 @@
           <p:cNvPr id="6" name="Нижний колонтитул 5">
             <a:extLst>
               <a:ext uri="{FF2B5EF4-FFF2-40B4-BE49-F238E27FC236}">
-                <a16:creationId xmlns:a16="http://schemas.microsoft.com/office/drawing/2014/main" id="{F174ED11-E9C8-48F1-8B2C-A569C259935B}"/>
+                <a16:creationId xmlns="" xmlns:a16="http://schemas.microsoft.com/office/drawing/2014/main" id="{F174ED11-E9C8-48F1-8B2C-A569C259935B}"/>
               </a:ext>
             </a:extLst>
           </p:cNvPr>
@@ -3780,7 +3780,7 @@
           <p:cNvPr id="7" name="Номер слайда 6">
             <a:extLst>
               <a:ext uri="{FF2B5EF4-FFF2-40B4-BE49-F238E27FC236}">
-                <a16:creationId xmlns:a16="http://schemas.microsoft.com/office/drawing/2014/main" id="{8982BD41-DA9C-420B-A0DB-FC88995BA6EE}"/>
+                <a16:creationId xmlns="" xmlns:a16="http://schemas.microsoft.com/office/drawing/2014/main" id="{8982BD41-DA9C-420B-A0DB-FC88995BA6EE}"/>
               </a:ext>
             </a:extLst>
           </p:cNvPr>
@@ -3839,7 +3839,7 @@
           <p:cNvPr id="2" name="Заголовок 1">
             <a:extLst>
               <a:ext uri="{FF2B5EF4-FFF2-40B4-BE49-F238E27FC236}">
-                <a16:creationId xmlns:a16="http://schemas.microsoft.com/office/drawing/2014/main" id="{A89775C9-C02B-4C4A-80C8-260956C45267}"/>
+                <a16:creationId xmlns="" xmlns:a16="http://schemas.microsoft.com/office/drawing/2014/main" id="{A89775C9-C02B-4C4A-80C8-260956C45267}"/>
               </a:ext>
             </a:extLst>
           </p:cNvPr>
@@ -3872,7 +3872,7 @@
           <p:cNvPr id="3" name="Текст 2">
             <a:extLst>
               <a:ext uri="{FF2B5EF4-FFF2-40B4-BE49-F238E27FC236}">
-                <a16:creationId xmlns:a16="http://schemas.microsoft.com/office/drawing/2014/main" id="{6DC5C8C5-40D3-437F-9FBB-11627D057C64}"/>
+                <a16:creationId xmlns="" xmlns:a16="http://schemas.microsoft.com/office/drawing/2014/main" id="{6DC5C8C5-40D3-437F-9FBB-11627D057C64}"/>
               </a:ext>
             </a:extLst>
           </p:cNvPr>
@@ -3943,7 +3943,7 @@
           <p:cNvPr id="4" name="Объект 3">
             <a:extLst>
               <a:ext uri="{FF2B5EF4-FFF2-40B4-BE49-F238E27FC236}">
-                <a16:creationId xmlns:a16="http://schemas.microsoft.com/office/drawing/2014/main" id="{1376658D-2AFB-4087-B17A-B6EF5C657351}"/>
+                <a16:creationId xmlns="" xmlns:a16="http://schemas.microsoft.com/office/drawing/2014/main" id="{1376658D-2AFB-4087-B17A-B6EF5C657351}"/>
               </a:ext>
             </a:extLst>
           </p:cNvPr>
@@ -4005,7 +4005,7 @@
           <p:cNvPr id="5" name="Текст 4">
             <a:extLst>
               <a:ext uri="{FF2B5EF4-FFF2-40B4-BE49-F238E27FC236}">
-                <a16:creationId xmlns:a16="http://schemas.microsoft.com/office/drawing/2014/main" id="{FAF5E6E8-1D14-425B-8A06-7893DF5DE4C0}"/>
+                <a16:creationId xmlns="" xmlns:a16="http://schemas.microsoft.com/office/drawing/2014/main" id="{FAF5E6E8-1D14-425B-8A06-7893DF5DE4C0}"/>
               </a:ext>
             </a:extLst>
           </p:cNvPr>
@@ -4076,7 +4076,7 @@
           <p:cNvPr id="6" name="Объект 5">
             <a:extLst>
               <a:ext uri="{FF2B5EF4-FFF2-40B4-BE49-F238E27FC236}">
-                <a16:creationId xmlns:a16="http://schemas.microsoft.com/office/drawing/2014/main" id="{5E45B809-DD43-4DE2-B96C-C451FDB8FFC4}"/>
+                <a16:creationId xmlns="" xmlns:a16="http://schemas.microsoft.com/office/drawing/2014/main" id="{5E45B809-DD43-4DE2-B96C-C451FDB8FFC4}"/>
               </a:ext>
             </a:extLst>
           </p:cNvPr>
@@ -4138,7 +4138,7 @@
           <p:cNvPr id="7" name="Дата 6">
             <a:extLst>
               <a:ext uri="{FF2B5EF4-FFF2-40B4-BE49-F238E27FC236}">
-                <a16:creationId xmlns:a16="http://schemas.microsoft.com/office/drawing/2014/main" id="{567D8432-F70A-432E-AD0B-EF04508227C0}"/>
+                <a16:creationId xmlns="" xmlns:a16="http://schemas.microsoft.com/office/drawing/2014/main" id="{567D8432-F70A-432E-AD0B-EF04508227C0}"/>
               </a:ext>
             </a:extLst>
           </p:cNvPr>
@@ -4156,7 +4156,7 @@
           <a:p>
             <a:fld id="{E7238070-46CD-41B8-96B6-7CAF8B8180ED}" type="datetime1">
               <a:rPr lang="ru-RU" smtClean="0"/>
-              <a:t>11.03.2022</a:t>
+              <a:t>17.03.2022</a:t>
             </a:fld>
             <a:endParaRPr lang="ru-RU"/>
           </a:p>
@@ -4167,7 +4167,7 @@
           <p:cNvPr id="8" name="Нижний колонтитул 7">
             <a:extLst>
               <a:ext uri="{FF2B5EF4-FFF2-40B4-BE49-F238E27FC236}">
-                <a16:creationId xmlns:a16="http://schemas.microsoft.com/office/drawing/2014/main" id="{AFAD5641-8585-46EC-B85C-735FC634ABE9}"/>
+                <a16:creationId xmlns="" xmlns:a16="http://schemas.microsoft.com/office/drawing/2014/main" id="{AFAD5641-8585-46EC-B85C-735FC634ABE9}"/>
               </a:ext>
             </a:extLst>
           </p:cNvPr>
@@ -4192,7 +4192,7 @@
           <p:cNvPr id="9" name="Номер слайда 8">
             <a:extLst>
               <a:ext uri="{FF2B5EF4-FFF2-40B4-BE49-F238E27FC236}">
-                <a16:creationId xmlns:a16="http://schemas.microsoft.com/office/drawing/2014/main" id="{036C8CCC-8BF6-47A7-BC46-661814BC220A}"/>
+                <a16:creationId xmlns="" xmlns:a16="http://schemas.microsoft.com/office/drawing/2014/main" id="{036C8CCC-8BF6-47A7-BC46-661814BC220A}"/>
               </a:ext>
             </a:extLst>
           </p:cNvPr>
@@ -4251,7 +4251,7 @@
           <p:cNvPr id="2" name="Заголовок 1">
             <a:extLst>
               <a:ext uri="{FF2B5EF4-FFF2-40B4-BE49-F238E27FC236}">
-                <a16:creationId xmlns:a16="http://schemas.microsoft.com/office/drawing/2014/main" id="{F7DE3D71-FFA2-4B9B-8243-57FF89135294}"/>
+                <a16:creationId xmlns="" xmlns:a16="http://schemas.microsoft.com/office/drawing/2014/main" id="{F7DE3D71-FFA2-4B9B-8243-57FF89135294}"/>
               </a:ext>
             </a:extLst>
           </p:cNvPr>
@@ -4279,7 +4279,7 @@
           <p:cNvPr id="3" name="Дата 2">
             <a:extLst>
               <a:ext uri="{FF2B5EF4-FFF2-40B4-BE49-F238E27FC236}">
-                <a16:creationId xmlns:a16="http://schemas.microsoft.com/office/drawing/2014/main" id="{253F6F59-7C4B-4086-83DE-12D049DFD55F}"/>
+                <a16:creationId xmlns="" xmlns:a16="http://schemas.microsoft.com/office/drawing/2014/main" id="{253F6F59-7C4B-4086-83DE-12D049DFD55F}"/>
               </a:ext>
             </a:extLst>
           </p:cNvPr>
@@ -4297,7 +4297,7 @@
           <a:p>
             <a:fld id="{68451541-B65F-4552-B050-AA16F03F87D8}" type="datetime1">
               <a:rPr lang="ru-RU" smtClean="0"/>
-              <a:t>11.03.2022</a:t>
+              <a:t>17.03.2022</a:t>
             </a:fld>
             <a:endParaRPr lang="ru-RU"/>
           </a:p>
@@ -4308,7 +4308,7 @@
           <p:cNvPr id="4" name="Нижний колонтитул 3">
             <a:extLst>
               <a:ext uri="{FF2B5EF4-FFF2-40B4-BE49-F238E27FC236}">
-                <a16:creationId xmlns:a16="http://schemas.microsoft.com/office/drawing/2014/main" id="{CB304CB5-15D5-4E32-8027-F03A38361D60}"/>
+                <a16:creationId xmlns="" xmlns:a16="http://schemas.microsoft.com/office/drawing/2014/main" id="{CB304CB5-15D5-4E32-8027-F03A38361D60}"/>
               </a:ext>
             </a:extLst>
           </p:cNvPr>
@@ -4333,7 +4333,7 @@
           <p:cNvPr id="5" name="Номер слайда 4">
             <a:extLst>
               <a:ext uri="{FF2B5EF4-FFF2-40B4-BE49-F238E27FC236}">
-                <a16:creationId xmlns:a16="http://schemas.microsoft.com/office/drawing/2014/main" id="{C253AC1C-5D8A-4AAE-9586-62B315312710}"/>
+                <a16:creationId xmlns="" xmlns:a16="http://schemas.microsoft.com/office/drawing/2014/main" id="{C253AC1C-5D8A-4AAE-9586-62B315312710}"/>
               </a:ext>
             </a:extLst>
           </p:cNvPr>
@@ -4392,7 +4392,7 @@
           <p:cNvPr id="2" name="Дата 1">
             <a:extLst>
               <a:ext uri="{FF2B5EF4-FFF2-40B4-BE49-F238E27FC236}">
-                <a16:creationId xmlns:a16="http://schemas.microsoft.com/office/drawing/2014/main" id="{5EC64DFE-5F1F-45A3-A48E-206B1C32C475}"/>
+                <a16:creationId xmlns="" xmlns:a16="http://schemas.microsoft.com/office/drawing/2014/main" id="{5EC64DFE-5F1F-45A3-A48E-206B1C32C475}"/>
               </a:ext>
             </a:extLst>
           </p:cNvPr>
@@ -4410,7 +4410,7 @@
           <a:p>
             <a:fld id="{ECAA43F3-4B38-4B84-AC20-DF954B9F9417}" type="datetime1">
               <a:rPr lang="ru-RU" smtClean="0"/>
-              <a:t>11.03.2022</a:t>
+              <a:t>17.03.2022</a:t>
             </a:fld>
             <a:endParaRPr lang="ru-RU"/>
           </a:p>
@@ -4421,7 +4421,7 @@
           <p:cNvPr id="3" name="Нижний колонтитул 2">
             <a:extLst>
               <a:ext uri="{FF2B5EF4-FFF2-40B4-BE49-F238E27FC236}">
-                <a16:creationId xmlns:a16="http://schemas.microsoft.com/office/drawing/2014/main" id="{94A32F86-B05B-4809-BC67-44058B6321AE}"/>
+                <a16:creationId xmlns="" xmlns:a16="http://schemas.microsoft.com/office/drawing/2014/main" id="{94A32F86-B05B-4809-BC67-44058B6321AE}"/>
               </a:ext>
             </a:extLst>
           </p:cNvPr>
@@ -4446,7 +4446,7 @@
           <p:cNvPr id="4" name="Номер слайда 3">
             <a:extLst>
               <a:ext uri="{FF2B5EF4-FFF2-40B4-BE49-F238E27FC236}">
-                <a16:creationId xmlns:a16="http://schemas.microsoft.com/office/drawing/2014/main" id="{F928161A-7ACB-4C1C-B4C8-7C1DDC1A3EEB}"/>
+                <a16:creationId xmlns="" xmlns:a16="http://schemas.microsoft.com/office/drawing/2014/main" id="{F928161A-7ACB-4C1C-B4C8-7C1DDC1A3EEB}"/>
               </a:ext>
             </a:extLst>
           </p:cNvPr>
@@ -4505,7 +4505,7 @@
           <p:cNvPr id="2" name="Заголовок 1">
             <a:extLst>
               <a:ext uri="{FF2B5EF4-FFF2-40B4-BE49-F238E27FC236}">
-                <a16:creationId xmlns:a16="http://schemas.microsoft.com/office/drawing/2014/main" id="{55AC0921-5F34-4B69-AF0B-3387A6311076}"/>
+                <a16:creationId xmlns="" xmlns:a16="http://schemas.microsoft.com/office/drawing/2014/main" id="{55AC0921-5F34-4B69-AF0B-3387A6311076}"/>
               </a:ext>
             </a:extLst>
           </p:cNvPr>
@@ -4542,7 +4542,7 @@
           <p:cNvPr id="3" name="Объект 2">
             <a:extLst>
               <a:ext uri="{FF2B5EF4-FFF2-40B4-BE49-F238E27FC236}">
-                <a16:creationId xmlns:a16="http://schemas.microsoft.com/office/drawing/2014/main" id="{ECC840D8-6E80-446A-A4F5-4F064084A455}"/>
+                <a16:creationId xmlns="" xmlns:a16="http://schemas.microsoft.com/office/drawing/2014/main" id="{ECC840D8-6E80-446A-A4F5-4F064084A455}"/>
               </a:ext>
             </a:extLst>
           </p:cNvPr>
@@ -4632,7 +4632,7 @@
           <p:cNvPr id="4" name="Текст 3">
             <a:extLst>
               <a:ext uri="{FF2B5EF4-FFF2-40B4-BE49-F238E27FC236}">
-                <a16:creationId xmlns:a16="http://schemas.microsoft.com/office/drawing/2014/main" id="{7D505141-E81D-42C7-983E-A97E7697ED44}"/>
+                <a16:creationId xmlns="" xmlns:a16="http://schemas.microsoft.com/office/drawing/2014/main" id="{7D505141-E81D-42C7-983E-A97E7697ED44}"/>
               </a:ext>
             </a:extLst>
           </p:cNvPr>
@@ -4703,7 +4703,7 @@
           <p:cNvPr id="5" name="Дата 4">
             <a:extLst>
               <a:ext uri="{FF2B5EF4-FFF2-40B4-BE49-F238E27FC236}">
-                <a16:creationId xmlns:a16="http://schemas.microsoft.com/office/drawing/2014/main" id="{F141CC2A-F89F-40E0-B878-F9EE1F12A8AD}"/>
+                <a16:creationId xmlns="" xmlns:a16="http://schemas.microsoft.com/office/drawing/2014/main" id="{F141CC2A-F89F-40E0-B878-F9EE1F12A8AD}"/>
               </a:ext>
             </a:extLst>
           </p:cNvPr>
@@ -4721,7 +4721,7 @@
           <a:p>
             <a:fld id="{CC298A1E-5B64-482F-AA7E-F5C8AB05D2CA}" type="datetime1">
               <a:rPr lang="ru-RU" smtClean="0"/>
-              <a:t>11.03.2022</a:t>
+              <a:t>17.03.2022</a:t>
             </a:fld>
             <a:endParaRPr lang="ru-RU"/>
           </a:p>
@@ -4732,7 +4732,7 @@
           <p:cNvPr id="6" name="Нижний колонтитул 5">
             <a:extLst>
               <a:ext uri="{FF2B5EF4-FFF2-40B4-BE49-F238E27FC236}">
-                <a16:creationId xmlns:a16="http://schemas.microsoft.com/office/drawing/2014/main" id="{BD0CD690-AB02-4536-B609-BAE65FB78D48}"/>
+                <a16:creationId xmlns="" xmlns:a16="http://schemas.microsoft.com/office/drawing/2014/main" id="{BD0CD690-AB02-4536-B609-BAE65FB78D48}"/>
               </a:ext>
             </a:extLst>
           </p:cNvPr>
@@ -4757,7 +4757,7 @@
           <p:cNvPr id="7" name="Номер слайда 6">
             <a:extLst>
               <a:ext uri="{FF2B5EF4-FFF2-40B4-BE49-F238E27FC236}">
-                <a16:creationId xmlns:a16="http://schemas.microsoft.com/office/drawing/2014/main" id="{21345887-882A-4BC1-84DD-58FC960207D6}"/>
+                <a16:creationId xmlns="" xmlns:a16="http://schemas.microsoft.com/office/drawing/2014/main" id="{21345887-882A-4BC1-84DD-58FC960207D6}"/>
               </a:ext>
             </a:extLst>
           </p:cNvPr>
@@ -4816,7 +4816,7 @@
           <p:cNvPr id="2" name="Заголовок 1">
             <a:extLst>
               <a:ext uri="{FF2B5EF4-FFF2-40B4-BE49-F238E27FC236}">
-                <a16:creationId xmlns:a16="http://schemas.microsoft.com/office/drawing/2014/main" id="{C3A75375-0999-4D37-BE8A-B9E6AF83F5CF}"/>
+                <a16:creationId xmlns="" xmlns:a16="http://schemas.microsoft.com/office/drawing/2014/main" id="{C3A75375-0999-4D37-BE8A-B9E6AF83F5CF}"/>
               </a:ext>
             </a:extLst>
           </p:cNvPr>
@@ -4853,7 +4853,7 @@
           <p:cNvPr id="3" name="Рисунок 2">
             <a:extLst>
               <a:ext uri="{FF2B5EF4-FFF2-40B4-BE49-F238E27FC236}">
-                <a16:creationId xmlns:a16="http://schemas.microsoft.com/office/drawing/2014/main" id="{C4E78AB9-7BC7-4588-9208-49AAE2A36847}"/>
+                <a16:creationId xmlns="" xmlns:a16="http://schemas.microsoft.com/office/drawing/2014/main" id="{C4E78AB9-7BC7-4588-9208-49AAE2A36847}"/>
               </a:ext>
             </a:extLst>
           </p:cNvPr>
@@ -4920,7 +4920,7 @@
           <p:cNvPr id="4" name="Текст 3">
             <a:extLst>
               <a:ext uri="{FF2B5EF4-FFF2-40B4-BE49-F238E27FC236}">
-                <a16:creationId xmlns:a16="http://schemas.microsoft.com/office/drawing/2014/main" id="{83304E67-99BB-4ABA-86A5-4D4D8792C016}"/>
+                <a16:creationId xmlns="" xmlns:a16="http://schemas.microsoft.com/office/drawing/2014/main" id="{83304E67-99BB-4ABA-86A5-4D4D8792C016}"/>
               </a:ext>
             </a:extLst>
           </p:cNvPr>
@@ -4991,7 +4991,7 @@
           <p:cNvPr id="5" name="Дата 4">
             <a:extLst>
               <a:ext uri="{FF2B5EF4-FFF2-40B4-BE49-F238E27FC236}">
-                <a16:creationId xmlns:a16="http://schemas.microsoft.com/office/drawing/2014/main" id="{8963903B-1728-4745-9D10-3DC650C5C8B0}"/>
+                <a16:creationId xmlns="" xmlns:a16="http://schemas.microsoft.com/office/drawing/2014/main" id="{8963903B-1728-4745-9D10-3DC650C5C8B0}"/>
               </a:ext>
             </a:extLst>
           </p:cNvPr>
@@ -5009,7 +5009,7 @@
           <a:p>
             <a:fld id="{E385BAAB-D29B-4A01-8373-F40C16FC9926}" type="datetime1">
               <a:rPr lang="ru-RU" smtClean="0"/>
-              <a:t>11.03.2022</a:t>
+              <a:t>17.03.2022</a:t>
             </a:fld>
             <a:endParaRPr lang="ru-RU"/>
           </a:p>
@@ -5020,7 +5020,7 @@
           <p:cNvPr id="6" name="Нижний колонтитул 5">
             <a:extLst>
               <a:ext uri="{FF2B5EF4-FFF2-40B4-BE49-F238E27FC236}">
-                <a16:creationId xmlns:a16="http://schemas.microsoft.com/office/drawing/2014/main" id="{93786B75-C2A2-40FA-A25F-4F6D14EAAD03}"/>
+                <a16:creationId xmlns="" xmlns:a16="http://schemas.microsoft.com/office/drawing/2014/main" id="{93786B75-C2A2-40FA-A25F-4F6D14EAAD03}"/>
               </a:ext>
             </a:extLst>
           </p:cNvPr>
@@ -5045,7 +5045,7 @@
           <p:cNvPr id="7" name="Номер слайда 6">
             <a:extLst>
               <a:ext uri="{FF2B5EF4-FFF2-40B4-BE49-F238E27FC236}">
-                <a16:creationId xmlns:a16="http://schemas.microsoft.com/office/drawing/2014/main" id="{B26899A1-9C38-455D-B48E-5F2FAB53B3D6}"/>
+                <a16:creationId xmlns="" xmlns:a16="http://schemas.microsoft.com/office/drawing/2014/main" id="{B26899A1-9C38-455D-B48E-5F2FAB53B3D6}"/>
               </a:ext>
             </a:extLst>
           </p:cNvPr>
@@ -5109,7 +5109,7 @@
           <p:cNvPr id="2" name="Заголовок 1">
             <a:extLst>
               <a:ext uri="{FF2B5EF4-FFF2-40B4-BE49-F238E27FC236}">
-                <a16:creationId xmlns:a16="http://schemas.microsoft.com/office/drawing/2014/main" id="{D9BCEB4D-CAF4-4BDC-B653-130DF4680416}"/>
+                <a16:creationId xmlns="" xmlns:a16="http://schemas.microsoft.com/office/drawing/2014/main" id="{D9BCEB4D-CAF4-4BDC-B653-130DF4680416}"/>
               </a:ext>
             </a:extLst>
           </p:cNvPr>
@@ -5147,7 +5147,7 @@
           <p:cNvPr id="3" name="Текст 2">
             <a:extLst>
               <a:ext uri="{FF2B5EF4-FFF2-40B4-BE49-F238E27FC236}">
-                <a16:creationId xmlns:a16="http://schemas.microsoft.com/office/drawing/2014/main" id="{8D3E1A14-1D61-4EB7-ACA7-8519664FEC0F}"/>
+                <a16:creationId xmlns="" xmlns:a16="http://schemas.microsoft.com/office/drawing/2014/main" id="{8D3E1A14-1D61-4EB7-ACA7-8519664FEC0F}"/>
               </a:ext>
             </a:extLst>
           </p:cNvPr>
@@ -5214,7 +5214,7 @@
           <p:cNvPr id="4" name="Дата 3">
             <a:extLst>
               <a:ext uri="{FF2B5EF4-FFF2-40B4-BE49-F238E27FC236}">
-                <a16:creationId xmlns:a16="http://schemas.microsoft.com/office/drawing/2014/main" id="{48D2E7CD-6EC7-4004-A3DA-BCBD0785501D}"/>
+                <a16:creationId xmlns="" xmlns:a16="http://schemas.microsoft.com/office/drawing/2014/main" id="{48D2E7CD-6EC7-4004-A3DA-BCBD0785501D}"/>
               </a:ext>
             </a:extLst>
           </p:cNvPr>
@@ -5250,7 +5250,7 @@
           <a:p>
             <a:fld id="{4F038B75-2469-4E87-9038-625B247756DB}" type="datetime1">
               <a:rPr lang="ru-RU" smtClean="0"/>
-              <a:t>11.03.2022</a:t>
+              <a:t>17.03.2022</a:t>
             </a:fld>
             <a:endParaRPr lang="ru-RU"/>
           </a:p>
@@ -5261,7 +5261,7 @@
           <p:cNvPr id="5" name="Нижний колонтитул 4">
             <a:extLst>
               <a:ext uri="{FF2B5EF4-FFF2-40B4-BE49-F238E27FC236}">
-                <a16:creationId xmlns:a16="http://schemas.microsoft.com/office/drawing/2014/main" id="{3E2C905C-E730-4104-9A0D-93D48F37EC3B}"/>
+                <a16:creationId xmlns="" xmlns:a16="http://schemas.microsoft.com/office/drawing/2014/main" id="{3E2C905C-E730-4104-9A0D-93D48F37EC3B}"/>
               </a:ext>
             </a:extLst>
           </p:cNvPr>
@@ -5304,7 +5304,7 @@
           <p:cNvPr id="6" name="Номер слайда 5">
             <a:extLst>
               <a:ext uri="{FF2B5EF4-FFF2-40B4-BE49-F238E27FC236}">
-                <a16:creationId xmlns:a16="http://schemas.microsoft.com/office/drawing/2014/main" id="{160800C7-D001-454C-95FF-EB51226E9562}"/>
+                <a16:creationId xmlns="" xmlns:a16="http://schemas.microsoft.com/office/drawing/2014/main" id="{160800C7-D001-454C-95FF-EB51226E9562}"/>
               </a:ext>
             </a:extLst>
           </p:cNvPr>
@@ -5673,7 +5673,7 @@
           <p:cNvPr id="2" name="Заголовок 1">
             <a:extLst>
               <a:ext uri="{FF2B5EF4-FFF2-40B4-BE49-F238E27FC236}">
-                <a16:creationId xmlns:a16="http://schemas.microsoft.com/office/drawing/2014/main" id="{C53FA626-46FE-49B2-8732-CE03C1B2E162}"/>
+                <a16:creationId xmlns="" xmlns:a16="http://schemas.microsoft.com/office/drawing/2014/main" id="{C53FA626-46FE-49B2-8732-CE03C1B2E162}"/>
               </a:ext>
             </a:extLst>
           </p:cNvPr>
@@ -5728,7 +5728,7 @@
           <p:cNvPr id="6" name="Picture 7" descr="C:\Users\srg_chs\Desktop\logo_en.jpg">
             <a:extLst>
               <a:ext uri="{FF2B5EF4-FFF2-40B4-BE49-F238E27FC236}">
-                <a16:creationId xmlns:a16="http://schemas.microsoft.com/office/drawing/2014/main" id="{D362764D-8F45-45B1-BF04-7A35F9C85409}"/>
+                <a16:creationId xmlns="" xmlns:a16="http://schemas.microsoft.com/office/drawing/2014/main" id="{D362764D-8F45-45B1-BF04-7A35F9C85409}"/>
               </a:ext>
             </a:extLst>
           </p:cNvPr>
@@ -5775,7 +5775,7 @@
           <p:cNvPr id="3" name="Номер слайда 2">
             <a:extLst>
               <a:ext uri="{FF2B5EF4-FFF2-40B4-BE49-F238E27FC236}">
-                <a16:creationId xmlns:a16="http://schemas.microsoft.com/office/drawing/2014/main" id="{B5730BF5-2CB6-4D10-800E-B24F23C4411F}"/>
+                <a16:creationId xmlns="" xmlns:a16="http://schemas.microsoft.com/office/drawing/2014/main" id="{B5730BF5-2CB6-4D10-800E-B24F23C4411F}"/>
               </a:ext>
             </a:extLst>
           </p:cNvPr>
@@ -5834,7 +5834,7 @@
           <p:cNvPr id="2" name="Заголовок 1">
             <a:extLst>
               <a:ext uri="{FF2B5EF4-FFF2-40B4-BE49-F238E27FC236}">
-                <a16:creationId xmlns:a16="http://schemas.microsoft.com/office/drawing/2014/main" id="{E2354C69-6F00-480A-A1C5-16DEDF7F6D94}"/>
+                <a16:creationId xmlns="" xmlns:a16="http://schemas.microsoft.com/office/drawing/2014/main" id="{E2354C69-6F00-480A-A1C5-16DEDF7F6D94}"/>
               </a:ext>
             </a:extLst>
           </p:cNvPr>
@@ -5878,7 +5878,7 @@
           <p:cNvPr id="3" name="Номер слайда 2">
             <a:extLst>
               <a:ext uri="{FF2B5EF4-FFF2-40B4-BE49-F238E27FC236}">
-                <a16:creationId xmlns:a16="http://schemas.microsoft.com/office/drawing/2014/main" id="{5D61274A-C09D-4166-A231-F36D40CDF214}"/>
+                <a16:creationId xmlns="" xmlns:a16="http://schemas.microsoft.com/office/drawing/2014/main" id="{5D61274A-C09D-4166-A231-F36D40CDF214}"/>
               </a:ext>
             </a:extLst>
           </p:cNvPr>
@@ -5898,7 +5898,7 @@
               <a:rPr lang="ru-RU" smtClean="0"/>
               <a:t>10</a:t>
             </a:fld>
-            <a:endParaRPr lang="ru-RU"/>
+            <a:endParaRPr lang="ru-RU" dirty="0"/>
           </a:p>
         </p:txBody>
       </p:sp>
@@ -5907,7 +5907,7 @@
           <p:cNvPr id="8" name="Picture 7" descr="C:\Users\srg_chs\Desktop\logo_en.jpg">
             <a:extLst>
               <a:ext uri="{FF2B5EF4-FFF2-40B4-BE49-F238E27FC236}">
-                <a16:creationId xmlns:a16="http://schemas.microsoft.com/office/drawing/2014/main" id="{D362764D-8F45-45B1-BF04-7A35F9C85409}"/>
+                <a16:creationId xmlns="" xmlns:a16="http://schemas.microsoft.com/office/drawing/2014/main" id="{D362764D-8F45-45B1-BF04-7A35F9C85409}"/>
               </a:ext>
             </a:extLst>
           </p:cNvPr>
@@ -5954,7 +5954,7 @@
           <p:cNvPr id="6" name="Рисунок 5">
             <a:extLst>
               <a:ext uri="{FF2B5EF4-FFF2-40B4-BE49-F238E27FC236}">
-                <a16:creationId xmlns:a16="http://schemas.microsoft.com/office/drawing/2014/main" id="{AB40593F-37C9-4BD2-93C9-D4CC20F9E4A8}"/>
+                <a16:creationId xmlns="" xmlns:a16="http://schemas.microsoft.com/office/drawing/2014/main" id="{AB40593F-37C9-4BD2-93C9-D4CC20F9E4A8}"/>
               </a:ext>
             </a:extLst>
           </p:cNvPr>
@@ -5971,7 +5971,7 @@
         </p:blipFill>
         <p:spPr>
           <a:xfrm>
-            <a:off x="2238375" y="1285875"/>
+            <a:off x="2238375" y="963757"/>
             <a:ext cx="7743825" cy="4286250"/>
           </a:xfrm>
           <a:prstGeom prst="rect">
@@ -5979,6 +5979,43 @@
           </a:prstGeom>
         </p:spPr>
       </p:pic>
+      <p:sp>
+        <p:nvSpPr>
+          <p:cNvPr id="5" name="Прямоугольник 4"/>
+          <p:cNvSpPr/>
+          <p:nvPr/>
+        </p:nvSpPr>
+        <p:spPr>
+          <a:xfrm>
+            <a:off x="4263737" y="5985649"/>
+            <a:ext cx="6096000" cy="646331"/>
+          </a:xfrm>
+          <a:prstGeom prst="rect">
+            <a:avLst/>
+          </a:prstGeom>
+        </p:spPr>
+        <p:txBody>
+          <a:bodyPr>
+            <a:spAutoFit/>
+          </a:bodyPr>
+          <a:lstStyle/>
+          <a:p>
+            <a:r>
+              <a:rPr lang="ru-RU" i="1" dirty="0" smtClean="0"/>
+              <a:t>Картинка </a:t>
+            </a:r>
+            <a:r>
+              <a:rPr lang="ru-RU" i="1" dirty="0"/>
+              <a:t>из статьи </a:t>
+            </a:r>
+            <a:r>
+              <a:rPr lang="en-US" i="1" dirty="0"/>
+              <a:t>http://www.sunburst-design.com/papers/CummingsSNUG2008Boston_CDC.pdf </a:t>
+            </a:r>
+            <a:endParaRPr lang="ru-RU" i="1" dirty="0"/>
+          </a:p>
+        </p:txBody>
+      </p:sp>
     </p:spTree>
     <p:extLst>
       <p:ext uri="{BB962C8B-B14F-4D97-AF65-F5344CB8AC3E}">
@@ -6014,7 +6051,7 @@
           <p:cNvPr id="2" name="Заголовок 1">
             <a:extLst>
               <a:ext uri="{FF2B5EF4-FFF2-40B4-BE49-F238E27FC236}">
-                <a16:creationId xmlns:a16="http://schemas.microsoft.com/office/drawing/2014/main" id="{E2354C69-6F00-480A-A1C5-16DEDF7F6D94}"/>
+                <a16:creationId xmlns="" xmlns:a16="http://schemas.microsoft.com/office/drawing/2014/main" id="{E2354C69-6F00-480A-A1C5-16DEDF7F6D94}"/>
               </a:ext>
             </a:extLst>
           </p:cNvPr>
@@ -6066,7 +6103,7 @@
           <p:cNvPr id="3" name="Номер слайда 2">
             <a:extLst>
               <a:ext uri="{FF2B5EF4-FFF2-40B4-BE49-F238E27FC236}">
-                <a16:creationId xmlns:a16="http://schemas.microsoft.com/office/drawing/2014/main" id="{5D61274A-C09D-4166-A231-F36D40CDF214}"/>
+                <a16:creationId xmlns="" xmlns:a16="http://schemas.microsoft.com/office/drawing/2014/main" id="{5D61274A-C09D-4166-A231-F36D40CDF214}"/>
               </a:ext>
             </a:extLst>
           </p:cNvPr>
@@ -6095,7 +6132,7 @@
           <p:cNvPr id="8" name="Picture 7" descr="C:\Users\srg_chs\Desktop\logo_en.jpg">
             <a:extLst>
               <a:ext uri="{FF2B5EF4-FFF2-40B4-BE49-F238E27FC236}">
-                <a16:creationId xmlns:a16="http://schemas.microsoft.com/office/drawing/2014/main" id="{D362764D-8F45-45B1-BF04-7A35F9C85409}"/>
+                <a16:creationId xmlns="" xmlns:a16="http://schemas.microsoft.com/office/drawing/2014/main" id="{D362764D-8F45-45B1-BF04-7A35F9C85409}"/>
               </a:ext>
             </a:extLst>
           </p:cNvPr>
@@ -6142,7 +6179,7 @@
           <p:cNvPr id="5" name="Рисунок 4">
             <a:extLst>
               <a:ext uri="{FF2B5EF4-FFF2-40B4-BE49-F238E27FC236}">
-                <a16:creationId xmlns:a16="http://schemas.microsoft.com/office/drawing/2014/main" id="{95788EA6-76BE-4AD2-8A2B-8FBE3D2CD520}"/>
+                <a16:creationId xmlns="" xmlns:a16="http://schemas.microsoft.com/office/drawing/2014/main" id="{95788EA6-76BE-4AD2-8A2B-8FBE3D2CD520}"/>
               </a:ext>
             </a:extLst>
           </p:cNvPr>
@@ -6172,7 +6209,7 @@
           <p:cNvPr id="12" name="Рисунок 11">
             <a:extLst>
               <a:ext uri="{FF2B5EF4-FFF2-40B4-BE49-F238E27FC236}">
-                <a16:creationId xmlns:a16="http://schemas.microsoft.com/office/drawing/2014/main" id="{A3E6DB42-362C-466C-8CC1-35238FDD150A}"/>
+                <a16:creationId xmlns="" xmlns:a16="http://schemas.microsoft.com/office/drawing/2014/main" id="{A3E6DB42-362C-466C-8CC1-35238FDD150A}"/>
               </a:ext>
             </a:extLst>
           </p:cNvPr>
@@ -6232,7 +6269,7 @@
           <p:cNvPr id="2" name="Заголовок 1">
             <a:extLst>
               <a:ext uri="{FF2B5EF4-FFF2-40B4-BE49-F238E27FC236}">
-                <a16:creationId xmlns:a16="http://schemas.microsoft.com/office/drawing/2014/main" id="{E2354C69-6F00-480A-A1C5-16DEDF7F6D94}"/>
+                <a16:creationId xmlns="" xmlns:a16="http://schemas.microsoft.com/office/drawing/2014/main" id="{E2354C69-6F00-480A-A1C5-16DEDF7F6D94}"/>
               </a:ext>
             </a:extLst>
           </p:cNvPr>
@@ -6284,7 +6321,7 @@
           <p:cNvPr id="3" name="Номер слайда 2">
             <a:extLst>
               <a:ext uri="{FF2B5EF4-FFF2-40B4-BE49-F238E27FC236}">
-                <a16:creationId xmlns:a16="http://schemas.microsoft.com/office/drawing/2014/main" id="{5D61274A-C09D-4166-A231-F36D40CDF214}"/>
+                <a16:creationId xmlns="" xmlns:a16="http://schemas.microsoft.com/office/drawing/2014/main" id="{5D61274A-C09D-4166-A231-F36D40CDF214}"/>
               </a:ext>
             </a:extLst>
           </p:cNvPr>
@@ -6313,7 +6350,7 @@
           <p:cNvPr id="8" name="Picture 7" descr="C:\Users\srg_chs\Desktop\logo_en.jpg">
             <a:extLst>
               <a:ext uri="{FF2B5EF4-FFF2-40B4-BE49-F238E27FC236}">
-                <a16:creationId xmlns:a16="http://schemas.microsoft.com/office/drawing/2014/main" id="{D362764D-8F45-45B1-BF04-7A35F9C85409}"/>
+                <a16:creationId xmlns="" xmlns:a16="http://schemas.microsoft.com/office/drawing/2014/main" id="{D362764D-8F45-45B1-BF04-7A35F9C85409}"/>
               </a:ext>
             </a:extLst>
           </p:cNvPr>
@@ -6360,7 +6397,7 @@
           <p:cNvPr id="9" name="Рисунок 8">
             <a:extLst>
               <a:ext uri="{FF2B5EF4-FFF2-40B4-BE49-F238E27FC236}">
-                <a16:creationId xmlns:a16="http://schemas.microsoft.com/office/drawing/2014/main" id="{7A529F18-2DE7-4DD9-A34F-B34A866EC99F}"/>
+                <a16:creationId xmlns="" xmlns:a16="http://schemas.microsoft.com/office/drawing/2014/main" id="{7A529F18-2DE7-4DD9-A34F-B34A866EC99F}"/>
               </a:ext>
             </a:extLst>
           </p:cNvPr>
@@ -6420,7 +6457,7 @@
           <p:cNvPr id="2" name="Заголовок 1">
             <a:extLst>
               <a:ext uri="{FF2B5EF4-FFF2-40B4-BE49-F238E27FC236}">
-                <a16:creationId xmlns:a16="http://schemas.microsoft.com/office/drawing/2014/main" id="{E2354C69-6F00-480A-A1C5-16DEDF7F6D94}"/>
+                <a16:creationId xmlns="" xmlns:a16="http://schemas.microsoft.com/office/drawing/2014/main" id="{E2354C69-6F00-480A-A1C5-16DEDF7F6D94}"/>
               </a:ext>
             </a:extLst>
           </p:cNvPr>
@@ -6472,7 +6509,7 @@
           <p:cNvPr id="3" name="Номер слайда 2">
             <a:extLst>
               <a:ext uri="{FF2B5EF4-FFF2-40B4-BE49-F238E27FC236}">
-                <a16:creationId xmlns:a16="http://schemas.microsoft.com/office/drawing/2014/main" id="{5D61274A-C09D-4166-A231-F36D40CDF214}"/>
+                <a16:creationId xmlns="" xmlns:a16="http://schemas.microsoft.com/office/drawing/2014/main" id="{5D61274A-C09D-4166-A231-F36D40CDF214}"/>
               </a:ext>
             </a:extLst>
           </p:cNvPr>
@@ -6501,7 +6538,7 @@
           <p:cNvPr id="8" name="Picture 7" descr="C:\Users\srg_chs\Desktop\logo_en.jpg">
             <a:extLst>
               <a:ext uri="{FF2B5EF4-FFF2-40B4-BE49-F238E27FC236}">
-                <a16:creationId xmlns:a16="http://schemas.microsoft.com/office/drawing/2014/main" id="{D362764D-8F45-45B1-BF04-7A35F9C85409}"/>
+                <a16:creationId xmlns="" xmlns:a16="http://schemas.microsoft.com/office/drawing/2014/main" id="{D362764D-8F45-45B1-BF04-7A35F9C85409}"/>
               </a:ext>
             </a:extLst>
           </p:cNvPr>
@@ -6548,7 +6585,7 @@
           <p:cNvPr id="6" name="Рисунок 5">
             <a:extLst>
               <a:ext uri="{FF2B5EF4-FFF2-40B4-BE49-F238E27FC236}">
-                <a16:creationId xmlns:a16="http://schemas.microsoft.com/office/drawing/2014/main" id="{008F87A4-9433-419A-9AC2-FFF9FEEEFA66}"/>
+                <a16:creationId xmlns="" xmlns:a16="http://schemas.microsoft.com/office/drawing/2014/main" id="{008F87A4-9433-419A-9AC2-FFF9FEEEFA66}"/>
               </a:ext>
             </a:extLst>
           </p:cNvPr>
@@ -6608,7 +6645,7 @@
           <p:cNvPr id="2" name="Заголовок 1">
             <a:extLst>
               <a:ext uri="{FF2B5EF4-FFF2-40B4-BE49-F238E27FC236}">
-                <a16:creationId xmlns:a16="http://schemas.microsoft.com/office/drawing/2014/main" id="{2DB86712-836C-43C4-91FC-E5CF402061FA}"/>
+                <a16:creationId xmlns="" xmlns:a16="http://schemas.microsoft.com/office/drawing/2014/main" id="{2DB86712-836C-43C4-91FC-E5CF402061FA}"/>
               </a:ext>
             </a:extLst>
           </p:cNvPr>
@@ -6621,7 +6658,7 @@
         </p:nvSpPr>
         <p:spPr>
           <a:xfrm>
-            <a:off x="838200" y="246179"/>
+            <a:off x="838200" y="0"/>
             <a:ext cx="10515600" cy="1325563"/>
           </a:xfrm>
         </p:spPr>
@@ -6645,7 +6682,7 @@
           <p:cNvPr id="7" name="Рисунок 6">
             <a:extLst>
               <a:ext uri="{FF2B5EF4-FFF2-40B4-BE49-F238E27FC236}">
-                <a16:creationId xmlns:a16="http://schemas.microsoft.com/office/drawing/2014/main" id="{CB1165B7-1C75-4F41-B856-DDBB6DFEC540}"/>
+                <a16:creationId xmlns="" xmlns:a16="http://schemas.microsoft.com/office/drawing/2014/main" id="{CB1165B7-1C75-4F41-B856-DDBB6DFEC540}"/>
               </a:ext>
             </a:extLst>
           </p:cNvPr>
@@ -6662,7 +6699,7 @@
         </p:blipFill>
         <p:spPr>
           <a:xfrm>
-            <a:off x="2449086" y="1129061"/>
+            <a:off x="2449086" y="775770"/>
             <a:ext cx="7962900" cy="5105400"/>
           </a:xfrm>
           <a:prstGeom prst="rect">
@@ -6675,7 +6712,7 @@
           <p:cNvPr id="8" name="Picture 7" descr="C:\Users\srg_chs\Desktop\logo_en.jpg">
             <a:extLst>
               <a:ext uri="{FF2B5EF4-FFF2-40B4-BE49-F238E27FC236}">
-                <a16:creationId xmlns:a16="http://schemas.microsoft.com/office/drawing/2014/main" id="{1CBE3CDA-0813-4CAA-BE06-1C0592A42986}"/>
+                <a16:creationId xmlns="" xmlns:a16="http://schemas.microsoft.com/office/drawing/2014/main" id="{1CBE3CDA-0813-4CAA-BE06-1C0592A42986}"/>
               </a:ext>
             </a:extLst>
           </p:cNvPr>
@@ -6717,6 +6754,48 @@
           </a:extLst>
         </p:spPr>
       </p:pic>
+      <p:sp>
+        <p:nvSpPr>
+          <p:cNvPr id="5" name="TextBox 4"/>
+          <p:cNvSpPr txBox="1"/>
+          <p:nvPr/>
+        </p:nvSpPr>
+        <p:spPr>
+          <a:xfrm>
+            <a:off x="5101936" y="5999679"/>
+            <a:ext cx="6909955" cy="707886"/>
+          </a:xfrm>
+          <a:prstGeom prst="rect">
+            <a:avLst/>
+          </a:prstGeom>
+          <a:noFill/>
+        </p:spPr>
+        <p:txBody>
+          <a:bodyPr wrap="square" rtlCol="0">
+            <a:spAutoFit/>
+          </a:bodyPr>
+          <a:lstStyle/>
+          <a:p>
+            <a:r>
+              <a:rPr lang="ru-RU" sz="2000" i="1" dirty="0" smtClean="0"/>
+              <a:t>Картинка </a:t>
+            </a:r>
+            <a:r>
+              <a:rPr lang="ru-RU" sz="2000" i="1" dirty="0" smtClean="0"/>
+              <a:t>из статьи </a:t>
+            </a:r>
+            <a:r>
+              <a:rPr lang="en-US" sz="2000" i="1" dirty="0"/>
+              <a:t>http://</a:t>
+            </a:r>
+            <a:r>
+              <a:rPr lang="en-US" sz="2000" i="1" dirty="0" smtClean="0"/>
+              <a:t>www.sunburst-design.com/papers/CummingsSNUG2008Boston_CDC.pdf</a:t>
+            </a:r>
+            <a:endParaRPr lang="ru-RU" sz="2000" i="1" dirty="0"/>
+          </a:p>
+        </p:txBody>
+      </p:sp>
     </p:spTree>
     <p:extLst>
       <p:ext uri="{BB962C8B-B14F-4D97-AF65-F5344CB8AC3E}">
@@ -6752,7 +6831,7 @@
           <p:cNvPr id="8" name="Picture 7" descr="C:\Users\srg_chs\Desktop\logo_en.jpg">
             <a:extLst>
               <a:ext uri="{FF2B5EF4-FFF2-40B4-BE49-F238E27FC236}">
-                <a16:creationId xmlns:a16="http://schemas.microsoft.com/office/drawing/2014/main" id="{1CBE3CDA-0813-4CAA-BE06-1C0592A42986}"/>
+                <a16:creationId xmlns="" xmlns:a16="http://schemas.microsoft.com/office/drawing/2014/main" id="{1CBE3CDA-0813-4CAA-BE06-1C0592A42986}"/>
               </a:ext>
             </a:extLst>
           </p:cNvPr>
@@ -6799,7 +6878,7 @@
           <p:cNvPr id="6" name="Рисунок 5">
             <a:extLst>
               <a:ext uri="{FF2B5EF4-FFF2-40B4-BE49-F238E27FC236}">
-                <a16:creationId xmlns:a16="http://schemas.microsoft.com/office/drawing/2014/main" id="{1590BF53-A56A-4E06-A13F-2A4B200B45CE}"/>
+                <a16:creationId xmlns="" xmlns:a16="http://schemas.microsoft.com/office/drawing/2014/main" id="{1590BF53-A56A-4E06-A13F-2A4B200B45CE}"/>
               </a:ext>
             </a:extLst>
           </p:cNvPr>
@@ -6829,7 +6908,7 @@
           <p:cNvPr id="10" name="Рисунок 9">
             <a:extLst>
               <a:ext uri="{FF2B5EF4-FFF2-40B4-BE49-F238E27FC236}">
-                <a16:creationId xmlns:a16="http://schemas.microsoft.com/office/drawing/2014/main" id="{0F048565-B2FD-4D14-BFD1-B5D7FAA793D1}"/>
+                <a16:creationId xmlns="" xmlns:a16="http://schemas.microsoft.com/office/drawing/2014/main" id="{0F048565-B2FD-4D14-BFD1-B5D7FAA793D1}"/>
               </a:ext>
             </a:extLst>
           </p:cNvPr>
@@ -6859,7 +6938,7 @@
           <p:cNvPr id="13" name="Заголовок 1">
             <a:extLst>
               <a:ext uri="{FF2B5EF4-FFF2-40B4-BE49-F238E27FC236}">
-                <a16:creationId xmlns:a16="http://schemas.microsoft.com/office/drawing/2014/main" id="{A27E06FF-C131-40A6-B99F-1FD9E3BCCAA0}"/>
+                <a16:creationId xmlns="" xmlns:a16="http://schemas.microsoft.com/office/drawing/2014/main" id="{A27E06FF-C131-40A6-B99F-1FD9E3BCCAA0}"/>
               </a:ext>
             </a:extLst>
           </p:cNvPr>
@@ -6888,6 +6967,43 @@
               </a:rPr>
               <a:t>Синхронизатор на тройном триггере</a:t>
             </a:r>
+          </a:p>
+        </p:txBody>
+      </p:sp>
+      <p:sp>
+        <p:nvSpPr>
+          <p:cNvPr id="7" name="Прямоугольник 6"/>
+          <p:cNvSpPr/>
+          <p:nvPr/>
+        </p:nvSpPr>
+        <p:spPr>
+          <a:xfrm>
+            <a:off x="4263737" y="5996040"/>
+            <a:ext cx="6096000" cy="646331"/>
+          </a:xfrm>
+          <a:prstGeom prst="rect">
+            <a:avLst/>
+          </a:prstGeom>
+        </p:spPr>
+        <p:txBody>
+          <a:bodyPr>
+            <a:spAutoFit/>
+          </a:bodyPr>
+          <a:lstStyle/>
+          <a:p>
+            <a:r>
+              <a:rPr lang="ru-RU" i="1" dirty="0" smtClean="0"/>
+              <a:t>Картинка </a:t>
+            </a:r>
+            <a:r>
+              <a:rPr lang="ru-RU" i="1" dirty="0"/>
+              <a:t>из статьи </a:t>
+            </a:r>
+            <a:r>
+              <a:rPr lang="en-US" i="1" dirty="0"/>
+              <a:t>http://www.sunburst-design.com/papers/CummingsSNUG2008Boston_CDC.pdf </a:t>
+            </a:r>
+            <a:endParaRPr lang="ru-RU" i="1" dirty="0"/>
           </a:p>
         </p:txBody>
       </p:sp>
@@ -6926,7 +7042,7 @@
           <p:cNvPr id="8" name="Picture 7" descr="C:\Users\srg_chs\Desktop\logo_en.jpg">
             <a:extLst>
               <a:ext uri="{FF2B5EF4-FFF2-40B4-BE49-F238E27FC236}">
-                <a16:creationId xmlns:a16="http://schemas.microsoft.com/office/drawing/2014/main" id="{1CBE3CDA-0813-4CAA-BE06-1C0592A42986}"/>
+                <a16:creationId xmlns="" xmlns:a16="http://schemas.microsoft.com/office/drawing/2014/main" id="{1CBE3CDA-0813-4CAA-BE06-1C0592A42986}"/>
               </a:ext>
             </a:extLst>
           </p:cNvPr>
@@ -6973,7 +7089,7 @@
           <p:cNvPr id="3" name="Рисунок 2">
             <a:extLst>
               <a:ext uri="{FF2B5EF4-FFF2-40B4-BE49-F238E27FC236}">
-                <a16:creationId xmlns:a16="http://schemas.microsoft.com/office/drawing/2014/main" id="{173B75B8-4F16-4799-88E9-181F1D0DDA31}"/>
+                <a16:creationId xmlns="" xmlns:a16="http://schemas.microsoft.com/office/drawing/2014/main" id="{173B75B8-4F16-4799-88E9-181F1D0DDA31}"/>
               </a:ext>
             </a:extLst>
           </p:cNvPr>
@@ -7003,7 +7119,7 @@
           <p:cNvPr id="11" name="Заголовок 1">
             <a:extLst>
               <a:ext uri="{FF2B5EF4-FFF2-40B4-BE49-F238E27FC236}">
-                <a16:creationId xmlns:a16="http://schemas.microsoft.com/office/drawing/2014/main" id="{BBB1FACB-D20D-4EE4-AAB1-7209802A4663}"/>
+                <a16:creationId xmlns="" xmlns:a16="http://schemas.microsoft.com/office/drawing/2014/main" id="{BBB1FACB-D20D-4EE4-AAB1-7209802A4663}"/>
               </a:ext>
             </a:extLst>
           </p:cNvPr>
@@ -7040,6 +7156,43 @@
               </a:rPr>
               <a:t> сигнал</a:t>
             </a:r>
+          </a:p>
+        </p:txBody>
+      </p:sp>
+      <p:sp>
+        <p:nvSpPr>
+          <p:cNvPr id="5" name="Прямоугольник 4"/>
+          <p:cNvSpPr/>
+          <p:nvPr/>
+        </p:nvSpPr>
+        <p:spPr>
+          <a:xfrm>
+            <a:off x="4263737" y="5985649"/>
+            <a:ext cx="6096000" cy="646331"/>
+          </a:xfrm>
+          <a:prstGeom prst="rect">
+            <a:avLst/>
+          </a:prstGeom>
+        </p:spPr>
+        <p:txBody>
+          <a:bodyPr>
+            <a:spAutoFit/>
+          </a:bodyPr>
+          <a:lstStyle/>
+          <a:p>
+            <a:r>
+              <a:rPr lang="ru-RU" i="1" dirty="0" smtClean="0"/>
+              <a:t>Картинка </a:t>
+            </a:r>
+            <a:r>
+              <a:rPr lang="ru-RU" i="1" dirty="0"/>
+              <a:t>из статьи </a:t>
+            </a:r>
+            <a:r>
+              <a:rPr lang="en-US" i="1" dirty="0"/>
+              <a:t>http://www.sunburst-design.com/papers/CummingsSNUG2008Boston_CDC.pdf </a:t>
+            </a:r>
+            <a:endParaRPr lang="ru-RU" i="1" dirty="0"/>
           </a:p>
         </p:txBody>
       </p:sp>
@@ -7078,7 +7231,7 @@
           <p:cNvPr id="8" name="Picture 7" descr="C:\Users\srg_chs\Desktop\logo_en.jpg">
             <a:extLst>
               <a:ext uri="{FF2B5EF4-FFF2-40B4-BE49-F238E27FC236}">
-                <a16:creationId xmlns:a16="http://schemas.microsoft.com/office/drawing/2014/main" id="{1CBE3CDA-0813-4CAA-BE06-1C0592A42986}"/>
+                <a16:creationId xmlns="" xmlns:a16="http://schemas.microsoft.com/office/drawing/2014/main" id="{1CBE3CDA-0813-4CAA-BE06-1C0592A42986}"/>
               </a:ext>
             </a:extLst>
           </p:cNvPr>
@@ -7125,7 +7278,7 @@
           <p:cNvPr id="4" name="Рисунок 3">
             <a:extLst>
               <a:ext uri="{FF2B5EF4-FFF2-40B4-BE49-F238E27FC236}">
-                <a16:creationId xmlns:a16="http://schemas.microsoft.com/office/drawing/2014/main" id="{E4CF1B24-5CF2-494A-AA0F-D5F5CC582A4C}"/>
+                <a16:creationId xmlns="" xmlns:a16="http://schemas.microsoft.com/office/drawing/2014/main" id="{E4CF1B24-5CF2-494A-AA0F-D5F5CC582A4C}"/>
               </a:ext>
             </a:extLst>
           </p:cNvPr>
@@ -7150,6 +7303,43 @@
           </a:prstGeom>
         </p:spPr>
       </p:pic>
+      <p:sp>
+        <p:nvSpPr>
+          <p:cNvPr id="5" name="Прямоугольник 4"/>
+          <p:cNvSpPr/>
+          <p:nvPr/>
+        </p:nvSpPr>
+        <p:spPr>
+          <a:xfrm>
+            <a:off x="4263737" y="5985649"/>
+            <a:ext cx="6096000" cy="646331"/>
+          </a:xfrm>
+          <a:prstGeom prst="rect">
+            <a:avLst/>
+          </a:prstGeom>
+        </p:spPr>
+        <p:txBody>
+          <a:bodyPr>
+            <a:spAutoFit/>
+          </a:bodyPr>
+          <a:lstStyle/>
+          <a:p>
+            <a:r>
+              <a:rPr lang="ru-RU" i="1" dirty="0" smtClean="0"/>
+              <a:t>Картинка </a:t>
+            </a:r>
+            <a:r>
+              <a:rPr lang="ru-RU" i="1" dirty="0"/>
+              <a:t>из статьи </a:t>
+            </a:r>
+            <a:r>
+              <a:rPr lang="en-US" i="1" dirty="0"/>
+              <a:t>http://www.sunburst-design.com/papers/CummingsSNUG2008Boston_CDC.pdf </a:t>
+            </a:r>
+            <a:endParaRPr lang="ru-RU" i="1" dirty="0"/>
+          </a:p>
+        </p:txBody>
+      </p:sp>
     </p:spTree>
     <p:extLst>
       <p:ext uri="{BB962C8B-B14F-4D97-AF65-F5344CB8AC3E}">
@@ -7185,7 +7375,7 @@
           <p:cNvPr id="8" name="Picture 7" descr="C:\Users\srg_chs\Desktop\logo_en.jpg">
             <a:extLst>
               <a:ext uri="{FF2B5EF4-FFF2-40B4-BE49-F238E27FC236}">
-                <a16:creationId xmlns:a16="http://schemas.microsoft.com/office/drawing/2014/main" id="{1CBE3CDA-0813-4CAA-BE06-1C0592A42986}"/>
+                <a16:creationId xmlns="" xmlns:a16="http://schemas.microsoft.com/office/drawing/2014/main" id="{1CBE3CDA-0813-4CAA-BE06-1C0592A42986}"/>
               </a:ext>
             </a:extLst>
           </p:cNvPr>
@@ -7232,7 +7422,7 @@
           <p:cNvPr id="3" name="Рисунок 2">
             <a:extLst>
               <a:ext uri="{FF2B5EF4-FFF2-40B4-BE49-F238E27FC236}">
-                <a16:creationId xmlns:a16="http://schemas.microsoft.com/office/drawing/2014/main" id="{31197428-FA15-4792-8F6C-F12F38E13EE9}"/>
+                <a16:creationId xmlns="" xmlns:a16="http://schemas.microsoft.com/office/drawing/2014/main" id="{31197428-FA15-4792-8F6C-F12F38E13EE9}"/>
               </a:ext>
             </a:extLst>
           </p:cNvPr>
@@ -7262,7 +7452,7 @@
           <p:cNvPr id="7" name="Заголовок 1">
             <a:extLst>
               <a:ext uri="{FF2B5EF4-FFF2-40B4-BE49-F238E27FC236}">
-                <a16:creationId xmlns:a16="http://schemas.microsoft.com/office/drawing/2014/main" id="{A357788E-D964-4437-B446-E21DBDCA764D}"/>
+                <a16:creationId xmlns="" xmlns:a16="http://schemas.microsoft.com/office/drawing/2014/main" id="{A357788E-D964-4437-B446-E21DBDCA764D}"/>
               </a:ext>
             </a:extLst>
           </p:cNvPr>
@@ -7291,6 +7481,43 @@
               </a:rPr>
               <a:t>Синхронизация быстрых сигналов</a:t>
             </a:r>
+          </a:p>
+        </p:txBody>
+      </p:sp>
+      <p:sp>
+        <p:nvSpPr>
+          <p:cNvPr id="5" name="Прямоугольник 4"/>
+          <p:cNvSpPr/>
+          <p:nvPr/>
+        </p:nvSpPr>
+        <p:spPr>
+          <a:xfrm>
+            <a:off x="4263737" y="5985649"/>
+            <a:ext cx="6096000" cy="646331"/>
+          </a:xfrm>
+          <a:prstGeom prst="rect">
+            <a:avLst/>
+          </a:prstGeom>
+        </p:spPr>
+        <p:txBody>
+          <a:bodyPr>
+            <a:spAutoFit/>
+          </a:bodyPr>
+          <a:lstStyle/>
+          <a:p>
+            <a:r>
+              <a:rPr lang="ru-RU" i="1" dirty="0" smtClean="0"/>
+              <a:t>Картинка </a:t>
+            </a:r>
+            <a:r>
+              <a:rPr lang="ru-RU" i="1" dirty="0"/>
+              <a:t>из статьи </a:t>
+            </a:r>
+            <a:r>
+              <a:rPr lang="en-US" i="1" dirty="0"/>
+              <a:t>http://www.sunburst-design.com/papers/CummingsSNUG2008Boston_CDC.pdf </a:t>
+            </a:r>
+            <a:endParaRPr lang="ru-RU" i="1" dirty="0"/>
           </a:p>
         </p:txBody>
       </p:sp>
@@ -7329,7 +7556,7 @@
           <p:cNvPr id="8" name="Picture 7" descr="C:\Users\srg_chs\Desktop\logo_en.jpg">
             <a:extLst>
               <a:ext uri="{FF2B5EF4-FFF2-40B4-BE49-F238E27FC236}">
-                <a16:creationId xmlns:a16="http://schemas.microsoft.com/office/drawing/2014/main" id="{1CBE3CDA-0813-4CAA-BE06-1C0592A42986}"/>
+                <a16:creationId xmlns="" xmlns:a16="http://schemas.microsoft.com/office/drawing/2014/main" id="{1CBE3CDA-0813-4CAA-BE06-1C0592A42986}"/>
               </a:ext>
             </a:extLst>
           </p:cNvPr>
@@ -7376,7 +7603,7 @@
           <p:cNvPr id="4" name="Рисунок 3">
             <a:extLst>
               <a:ext uri="{FF2B5EF4-FFF2-40B4-BE49-F238E27FC236}">
-                <a16:creationId xmlns:a16="http://schemas.microsoft.com/office/drawing/2014/main" id="{BAD54E06-2A86-4492-8095-228A61F3FDDD}"/>
+                <a16:creationId xmlns="" xmlns:a16="http://schemas.microsoft.com/office/drawing/2014/main" id="{BAD54E06-2A86-4492-8095-228A61F3FDDD}"/>
               </a:ext>
             </a:extLst>
           </p:cNvPr>
@@ -7406,7 +7633,7 @@
           <p:cNvPr id="6" name="Заголовок 1">
             <a:extLst>
               <a:ext uri="{FF2B5EF4-FFF2-40B4-BE49-F238E27FC236}">
-                <a16:creationId xmlns:a16="http://schemas.microsoft.com/office/drawing/2014/main" id="{E0F36FE0-50A2-4A94-9780-3F556463C70C}"/>
+                <a16:creationId xmlns="" xmlns:a16="http://schemas.microsoft.com/office/drawing/2014/main" id="{E0F36FE0-50A2-4A94-9780-3F556463C70C}"/>
               </a:ext>
             </a:extLst>
           </p:cNvPr>
@@ -7435,6 +7662,43 @@
               </a:rPr>
               <a:t>Синхронизация быстрых сигналов</a:t>
             </a:r>
+          </a:p>
+        </p:txBody>
+      </p:sp>
+      <p:sp>
+        <p:nvSpPr>
+          <p:cNvPr id="5" name="Прямоугольник 4"/>
+          <p:cNvSpPr/>
+          <p:nvPr/>
+        </p:nvSpPr>
+        <p:spPr>
+          <a:xfrm>
+            <a:off x="4263737" y="5985649"/>
+            <a:ext cx="6096000" cy="646331"/>
+          </a:xfrm>
+          <a:prstGeom prst="rect">
+            <a:avLst/>
+          </a:prstGeom>
+        </p:spPr>
+        <p:txBody>
+          <a:bodyPr>
+            <a:spAutoFit/>
+          </a:bodyPr>
+          <a:lstStyle/>
+          <a:p>
+            <a:r>
+              <a:rPr lang="ru-RU" i="1" dirty="0" smtClean="0"/>
+              <a:t>Картинка </a:t>
+            </a:r>
+            <a:r>
+              <a:rPr lang="ru-RU" i="1" dirty="0"/>
+              <a:t>из статьи </a:t>
+            </a:r>
+            <a:r>
+              <a:rPr lang="en-US" i="1" dirty="0"/>
+              <a:t>http://www.sunburst-design.com/papers/CummingsSNUG2008Boston_CDC.pdf </a:t>
+            </a:r>
+            <a:endParaRPr lang="ru-RU" i="1" dirty="0"/>
           </a:p>
         </p:txBody>
       </p:sp>
@@ -7473,7 +7737,7 @@
           <p:cNvPr id="3" name="Номер слайда 2">
             <a:extLst>
               <a:ext uri="{FF2B5EF4-FFF2-40B4-BE49-F238E27FC236}">
-                <a16:creationId xmlns:a16="http://schemas.microsoft.com/office/drawing/2014/main" id="{5D61274A-C09D-4166-A231-F36D40CDF214}"/>
+                <a16:creationId xmlns="" xmlns:a16="http://schemas.microsoft.com/office/drawing/2014/main" id="{5D61274A-C09D-4166-A231-F36D40CDF214}"/>
               </a:ext>
             </a:extLst>
           </p:cNvPr>
@@ -7502,7 +7766,7 @@
           <p:cNvPr id="8" name="Picture 7" descr="C:\Users\srg_chs\Desktop\logo_en.jpg">
             <a:extLst>
               <a:ext uri="{FF2B5EF4-FFF2-40B4-BE49-F238E27FC236}">
-                <a16:creationId xmlns:a16="http://schemas.microsoft.com/office/drawing/2014/main" id="{D362764D-8F45-45B1-BF04-7A35F9C85409}"/>
+                <a16:creationId xmlns="" xmlns:a16="http://schemas.microsoft.com/office/drawing/2014/main" id="{D362764D-8F45-45B1-BF04-7A35F9C85409}"/>
               </a:ext>
             </a:extLst>
           </p:cNvPr>
@@ -7549,7 +7813,7 @@
           <p:cNvPr id="13" name="Объект 12">
             <a:extLst>
               <a:ext uri="{FF2B5EF4-FFF2-40B4-BE49-F238E27FC236}">
-                <a16:creationId xmlns:a16="http://schemas.microsoft.com/office/drawing/2014/main" id="{57BD9B36-7116-46FD-B9D7-7FF46D757142}"/>
+                <a16:creationId xmlns="" xmlns:a16="http://schemas.microsoft.com/office/drawing/2014/main" id="{57BD9B36-7116-46FD-B9D7-7FF46D757142}"/>
               </a:ext>
             </a:extLst>
           </p:cNvPr>
@@ -7608,7 +7872,7 @@
           <p:cNvPr id="8" name="Picture 7" descr="C:\Users\srg_chs\Desktop\logo_en.jpg">
             <a:extLst>
               <a:ext uri="{FF2B5EF4-FFF2-40B4-BE49-F238E27FC236}">
-                <a16:creationId xmlns:a16="http://schemas.microsoft.com/office/drawing/2014/main" id="{1CBE3CDA-0813-4CAA-BE06-1C0592A42986}"/>
+                <a16:creationId xmlns="" xmlns:a16="http://schemas.microsoft.com/office/drawing/2014/main" id="{1CBE3CDA-0813-4CAA-BE06-1C0592A42986}"/>
               </a:ext>
             </a:extLst>
           </p:cNvPr>
@@ -7655,7 +7919,7 @@
           <p:cNvPr id="3" name="Рисунок 2">
             <a:extLst>
               <a:ext uri="{FF2B5EF4-FFF2-40B4-BE49-F238E27FC236}">
-                <a16:creationId xmlns:a16="http://schemas.microsoft.com/office/drawing/2014/main" id="{6153112B-E0AE-4AA5-A6A9-5D50154D0FD7}"/>
+                <a16:creationId xmlns="" xmlns:a16="http://schemas.microsoft.com/office/drawing/2014/main" id="{6153112B-E0AE-4AA5-A6A9-5D50154D0FD7}"/>
               </a:ext>
             </a:extLst>
           </p:cNvPr>
@@ -7685,7 +7949,7 @@
           <p:cNvPr id="6" name="Заголовок 1">
             <a:extLst>
               <a:ext uri="{FF2B5EF4-FFF2-40B4-BE49-F238E27FC236}">
-                <a16:creationId xmlns:a16="http://schemas.microsoft.com/office/drawing/2014/main" id="{CD6DDA57-E897-43FF-B469-722181DA9FDF}"/>
+                <a16:creationId xmlns="" xmlns:a16="http://schemas.microsoft.com/office/drawing/2014/main" id="{CD6DDA57-E897-43FF-B469-722181DA9FDF}"/>
               </a:ext>
             </a:extLst>
           </p:cNvPr>
@@ -7714,6 +7978,43 @@
               </a:rPr>
               <a:t>Синхронизация быстрых сигналов</a:t>
             </a:r>
+          </a:p>
+        </p:txBody>
+      </p:sp>
+      <p:sp>
+        <p:nvSpPr>
+          <p:cNvPr id="5" name="Прямоугольник 4"/>
+          <p:cNvSpPr/>
+          <p:nvPr/>
+        </p:nvSpPr>
+        <p:spPr>
+          <a:xfrm>
+            <a:off x="4263737" y="5985649"/>
+            <a:ext cx="6096000" cy="646331"/>
+          </a:xfrm>
+          <a:prstGeom prst="rect">
+            <a:avLst/>
+          </a:prstGeom>
+        </p:spPr>
+        <p:txBody>
+          <a:bodyPr>
+            <a:spAutoFit/>
+          </a:bodyPr>
+          <a:lstStyle/>
+          <a:p>
+            <a:r>
+              <a:rPr lang="ru-RU" i="1" dirty="0" smtClean="0"/>
+              <a:t>Картинка </a:t>
+            </a:r>
+            <a:r>
+              <a:rPr lang="ru-RU" i="1" dirty="0"/>
+              <a:t>из статьи </a:t>
+            </a:r>
+            <a:r>
+              <a:rPr lang="en-US" i="1" dirty="0"/>
+              <a:t>http://www.sunburst-design.com/papers/CummingsSNUG2008Boston_CDC.pdf </a:t>
+            </a:r>
+            <a:endParaRPr lang="ru-RU" i="1" dirty="0"/>
           </a:p>
         </p:txBody>
       </p:sp>
@@ -7752,7 +8053,7 @@
           <p:cNvPr id="8" name="Picture 7" descr="C:\Users\srg_chs\Desktop\logo_en.jpg">
             <a:extLst>
               <a:ext uri="{FF2B5EF4-FFF2-40B4-BE49-F238E27FC236}">
-                <a16:creationId xmlns:a16="http://schemas.microsoft.com/office/drawing/2014/main" id="{1CBE3CDA-0813-4CAA-BE06-1C0592A42986}"/>
+                <a16:creationId xmlns="" xmlns:a16="http://schemas.microsoft.com/office/drawing/2014/main" id="{1CBE3CDA-0813-4CAA-BE06-1C0592A42986}"/>
               </a:ext>
             </a:extLst>
           </p:cNvPr>
@@ -7799,7 +8100,7 @@
           <p:cNvPr id="4" name="Рисунок 3">
             <a:extLst>
               <a:ext uri="{FF2B5EF4-FFF2-40B4-BE49-F238E27FC236}">
-                <a16:creationId xmlns:a16="http://schemas.microsoft.com/office/drawing/2014/main" id="{FBAD655F-4D4D-4F00-9B0A-CC19DC117245}"/>
+                <a16:creationId xmlns="" xmlns:a16="http://schemas.microsoft.com/office/drawing/2014/main" id="{FBAD655F-4D4D-4F00-9B0A-CC19DC117245}"/>
               </a:ext>
             </a:extLst>
           </p:cNvPr>
@@ -7829,7 +8130,7 @@
           <p:cNvPr id="9" name="Заголовок 1">
             <a:extLst>
               <a:ext uri="{FF2B5EF4-FFF2-40B4-BE49-F238E27FC236}">
-                <a16:creationId xmlns:a16="http://schemas.microsoft.com/office/drawing/2014/main" id="{B8294822-5DD3-4E45-A79F-4DE5F2F1A00E}"/>
+                <a16:creationId xmlns="" xmlns:a16="http://schemas.microsoft.com/office/drawing/2014/main" id="{B8294822-5DD3-4E45-A79F-4DE5F2F1A00E}"/>
               </a:ext>
             </a:extLst>
           </p:cNvPr>
@@ -7858,6 +8159,43 @@
               </a:rPr>
               <a:t>Синхронизация быстрых сигналов</a:t>
             </a:r>
+          </a:p>
+        </p:txBody>
+      </p:sp>
+      <p:sp>
+        <p:nvSpPr>
+          <p:cNvPr id="5" name="Прямоугольник 4"/>
+          <p:cNvSpPr/>
+          <p:nvPr/>
+        </p:nvSpPr>
+        <p:spPr>
+          <a:xfrm>
+            <a:off x="4263737" y="5985649"/>
+            <a:ext cx="6096000" cy="646331"/>
+          </a:xfrm>
+          <a:prstGeom prst="rect">
+            <a:avLst/>
+          </a:prstGeom>
+        </p:spPr>
+        <p:txBody>
+          <a:bodyPr>
+            <a:spAutoFit/>
+          </a:bodyPr>
+          <a:lstStyle/>
+          <a:p>
+            <a:r>
+              <a:rPr lang="ru-RU" i="1" dirty="0" smtClean="0"/>
+              <a:t>Картинка </a:t>
+            </a:r>
+            <a:r>
+              <a:rPr lang="ru-RU" i="1" dirty="0"/>
+              <a:t>из статьи </a:t>
+            </a:r>
+            <a:r>
+              <a:rPr lang="en-US" i="1" dirty="0"/>
+              <a:t>http://www.sunburst-design.com/papers/CummingsSNUG2008Boston_CDC.pdf </a:t>
+            </a:r>
+            <a:endParaRPr lang="ru-RU" i="1" dirty="0"/>
           </a:p>
         </p:txBody>
       </p:sp>
@@ -7896,7 +8234,7 @@
           <p:cNvPr id="8" name="Picture 7" descr="C:\Users\srg_chs\Desktop\logo_en.jpg">
             <a:extLst>
               <a:ext uri="{FF2B5EF4-FFF2-40B4-BE49-F238E27FC236}">
-                <a16:creationId xmlns:a16="http://schemas.microsoft.com/office/drawing/2014/main" id="{1CBE3CDA-0813-4CAA-BE06-1C0592A42986}"/>
+                <a16:creationId xmlns="" xmlns:a16="http://schemas.microsoft.com/office/drawing/2014/main" id="{1CBE3CDA-0813-4CAA-BE06-1C0592A42986}"/>
               </a:ext>
             </a:extLst>
           </p:cNvPr>
@@ -7943,7 +8281,7 @@
           <p:cNvPr id="3" name="Рисунок 2">
             <a:extLst>
               <a:ext uri="{FF2B5EF4-FFF2-40B4-BE49-F238E27FC236}">
-                <a16:creationId xmlns:a16="http://schemas.microsoft.com/office/drawing/2014/main" id="{24BE2F4A-F6C5-4792-969B-54442C5A3201}"/>
+                <a16:creationId xmlns="" xmlns:a16="http://schemas.microsoft.com/office/drawing/2014/main" id="{24BE2F4A-F6C5-4792-969B-54442C5A3201}"/>
               </a:ext>
             </a:extLst>
           </p:cNvPr>
@@ -7973,7 +8311,7 @@
           <p:cNvPr id="7" name="Заголовок 1">
             <a:extLst>
               <a:ext uri="{FF2B5EF4-FFF2-40B4-BE49-F238E27FC236}">
-                <a16:creationId xmlns:a16="http://schemas.microsoft.com/office/drawing/2014/main" id="{5A7D9A23-589B-4179-8EE9-1AC371F32031}"/>
+                <a16:creationId xmlns="" xmlns:a16="http://schemas.microsoft.com/office/drawing/2014/main" id="{5A7D9A23-589B-4179-8EE9-1AC371F32031}"/>
               </a:ext>
             </a:extLst>
           </p:cNvPr>
@@ -8004,6 +8342,43 @@
               </a:rPr>
               <a:t>Синхронизация многоразрядных сигналов</a:t>
             </a:r>
+          </a:p>
+        </p:txBody>
+      </p:sp>
+      <p:sp>
+        <p:nvSpPr>
+          <p:cNvPr id="5" name="Прямоугольник 4"/>
+          <p:cNvSpPr/>
+          <p:nvPr/>
+        </p:nvSpPr>
+        <p:spPr>
+          <a:xfrm>
+            <a:off x="4263737" y="5985649"/>
+            <a:ext cx="6096000" cy="646331"/>
+          </a:xfrm>
+          <a:prstGeom prst="rect">
+            <a:avLst/>
+          </a:prstGeom>
+        </p:spPr>
+        <p:txBody>
+          <a:bodyPr>
+            <a:spAutoFit/>
+          </a:bodyPr>
+          <a:lstStyle/>
+          <a:p>
+            <a:r>
+              <a:rPr lang="ru-RU" i="1" dirty="0" smtClean="0"/>
+              <a:t>Картинка </a:t>
+            </a:r>
+            <a:r>
+              <a:rPr lang="ru-RU" i="1" dirty="0"/>
+              <a:t>из статьи </a:t>
+            </a:r>
+            <a:r>
+              <a:rPr lang="en-US" i="1" dirty="0"/>
+              <a:t>http://www.sunburst-design.com/papers/CummingsSNUG2008Boston_CDC.pdf </a:t>
+            </a:r>
+            <a:endParaRPr lang="ru-RU" i="1" dirty="0"/>
           </a:p>
         </p:txBody>
       </p:sp>
@@ -8042,7 +8417,7 @@
           <p:cNvPr id="8" name="Picture 7" descr="C:\Users\srg_chs\Desktop\logo_en.jpg">
             <a:extLst>
               <a:ext uri="{FF2B5EF4-FFF2-40B4-BE49-F238E27FC236}">
-                <a16:creationId xmlns:a16="http://schemas.microsoft.com/office/drawing/2014/main" id="{1CBE3CDA-0813-4CAA-BE06-1C0592A42986}"/>
+                <a16:creationId xmlns="" xmlns:a16="http://schemas.microsoft.com/office/drawing/2014/main" id="{1CBE3CDA-0813-4CAA-BE06-1C0592A42986}"/>
               </a:ext>
             </a:extLst>
           </p:cNvPr>
@@ -8089,7 +8464,7 @@
           <p:cNvPr id="4" name="Рисунок 3">
             <a:extLst>
               <a:ext uri="{FF2B5EF4-FFF2-40B4-BE49-F238E27FC236}">
-                <a16:creationId xmlns:a16="http://schemas.microsoft.com/office/drawing/2014/main" id="{E79EBD34-6B50-4DEC-8407-11479A389EF9}"/>
+                <a16:creationId xmlns="" xmlns:a16="http://schemas.microsoft.com/office/drawing/2014/main" id="{E79EBD34-6B50-4DEC-8407-11479A389EF9}"/>
               </a:ext>
             </a:extLst>
           </p:cNvPr>
@@ -8119,7 +8494,7 @@
           <p:cNvPr id="6" name="Заголовок 1">
             <a:extLst>
               <a:ext uri="{FF2B5EF4-FFF2-40B4-BE49-F238E27FC236}">
-                <a16:creationId xmlns:a16="http://schemas.microsoft.com/office/drawing/2014/main" id="{B106A8EE-4D92-45CE-8574-1C73CBD0D524}"/>
+                <a16:creationId xmlns="" xmlns:a16="http://schemas.microsoft.com/office/drawing/2014/main" id="{B106A8EE-4D92-45CE-8574-1C73CBD0D524}"/>
               </a:ext>
             </a:extLst>
           </p:cNvPr>
@@ -8150,6 +8525,43 @@
               </a:rPr>
               <a:t>Синхронизация многоразрядных сигналов</a:t>
             </a:r>
+          </a:p>
+        </p:txBody>
+      </p:sp>
+      <p:sp>
+        <p:nvSpPr>
+          <p:cNvPr id="5" name="Прямоугольник 4"/>
+          <p:cNvSpPr/>
+          <p:nvPr/>
+        </p:nvSpPr>
+        <p:spPr>
+          <a:xfrm>
+            <a:off x="4263737" y="5985649"/>
+            <a:ext cx="6096000" cy="646331"/>
+          </a:xfrm>
+          <a:prstGeom prst="rect">
+            <a:avLst/>
+          </a:prstGeom>
+        </p:spPr>
+        <p:txBody>
+          <a:bodyPr>
+            <a:spAutoFit/>
+          </a:bodyPr>
+          <a:lstStyle/>
+          <a:p>
+            <a:r>
+              <a:rPr lang="ru-RU" i="1" dirty="0" smtClean="0"/>
+              <a:t>Картинка </a:t>
+            </a:r>
+            <a:r>
+              <a:rPr lang="ru-RU" i="1" dirty="0"/>
+              <a:t>из статьи </a:t>
+            </a:r>
+            <a:r>
+              <a:rPr lang="en-US" i="1" dirty="0"/>
+              <a:t>http://www.sunburst-design.com/papers/CummingsSNUG2008Boston_CDC.pdf </a:t>
+            </a:r>
+            <a:endParaRPr lang="ru-RU" i="1" dirty="0"/>
           </a:p>
         </p:txBody>
       </p:sp>
@@ -8188,7 +8600,7 @@
           <p:cNvPr id="8" name="Picture 7" descr="C:\Users\srg_chs\Desktop\logo_en.jpg">
             <a:extLst>
               <a:ext uri="{FF2B5EF4-FFF2-40B4-BE49-F238E27FC236}">
-                <a16:creationId xmlns:a16="http://schemas.microsoft.com/office/drawing/2014/main" id="{1CBE3CDA-0813-4CAA-BE06-1C0592A42986}"/>
+                <a16:creationId xmlns="" xmlns:a16="http://schemas.microsoft.com/office/drawing/2014/main" id="{1CBE3CDA-0813-4CAA-BE06-1C0592A42986}"/>
               </a:ext>
             </a:extLst>
           </p:cNvPr>
@@ -8235,7 +8647,7 @@
           <p:cNvPr id="6" name="Заголовок 1">
             <a:extLst>
               <a:ext uri="{FF2B5EF4-FFF2-40B4-BE49-F238E27FC236}">
-                <a16:creationId xmlns:a16="http://schemas.microsoft.com/office/drawing/2014/main" id="{B106A8EE-4D92-45CE-8574-1C73CBD0D524}"/>
+                <a16:creationId xmlns="" xmlns:a16="http://schemas.microsoft.com/office/drawing/2014/main" id="{B106A8EE-4D92-45CE-8574-1C73CBD0D524}"/>
               </a:ext>
             </a:extLst>
           </p:cNvPr>
@@ -8274,7 +8686,7 @@
           <p:cNvPr id="3" name="Рисунок 2">
             <a:extLst>
               <a:ext uri="{FF2B5EF4-FFF2-40B4-BE49-F238E27FC236}">
-                <a16:creationId xmlns:a16="http://schemas.microsoft.com/office/drawing/2014/main" id="{E866DB28-D950-4CCA-8F8D-8F6865674181}"/>
+                <a16:creationId xmlns="" xmlns:a16="http://schemas.microsoft.com/office/drawing/2014/main" id="{E866DB28-D950-4CCA-8F8D-8F6865674181}"/>
               </a:ext>
             </a:extLst>
           </p:cNvPr>
@@ -8299,6 +8711,43 @@
           </a:prstGeom>
         </p:spPr>
       </p:pic>
+      <p:sp>
+        <p:nvSpPr>
+          <p:cNvPr id="5" name="Прямоугольник 4"/>
+          <p:cNvSpPr/>
+          <p:nvPr/>
+        </p:nvSpPr>
+        <p:spPr>
+          <a:xfrm>
+            <a:off x="4263737" y="5985649"/>
+            <a:ext cx="6096000" cy="646331"/>
+          </a:xfrm>
+          <a:prstGeom prst="rect">
+            <a:avLst/>
+          </a:prstGeom>
+        </p:spPr>
+        <p:txBody>
+          <a:bodyPr>
+            <a:spAutoFit/>
+          </a:bodyPr>
+          <a:lstStyle/>
+          <a:p>
+            <a:r>
+              <a:rPr lang="ru-RU" i="1" dirty="0" smtClean="0"/>
+              <a:t>Картинка </a:t>
+            </a:r>
+            <a:r>
+              <a:rPr lang="ru-RU" i="1" dirty="0"/>
+              <a:t>из статьи </a:t>
+            </a:r>
+            <a:r>
+              <a:rPr lang="en-US" i="1" dirty="0"/>
+              <a:t>http://www.sunburst-design.com/papers/CummingsSNUG2008Boston_CDC.pdf </a:t>
+            </a:r>
+            <a:endParaRPr lang="ru-RU" i="1" dirty="0"/>
+          </a:p>
+        </p:txBody>
+      </p:sp>
     </p:spTree>
     <p:extLst>
       <p:ext uri="{BB962C8B-B14F-4D97-AF65-F5344CB8AC3E}">
@@ -8334,7 +8783,7 @@
           <p:cNvPr id="8" name="Picture 7" descr="C:\Users\srg_chs\Desktop\logo_en.jpg">
             <a:extLst>
               <a:ext uri="{FF2B5EF4-FFF2-40B4-BE49-F238E27FC236}">
-                <a16:creationId xmlns:a16="http://schemas.microsoft.com/office/drawing/2014/main" id="{1CBE3CDA-0813-4CAA-BE06-1C0592A42986}"/>
+                <a16:creationId xmlns="" xmlns:a16="http://schemas.microsoft.com/office/drawing/2014/main" id="{1CBE3CDA-0813-4CAA-BE06-1C0592A42986}"/>
               </a:ext>
             </a:extLst>
           </p:cNvPr>
@@ -8381,7 +8830,7 @@
           <p:cNvPr id="6" name="Заголовок 1">
             <a:extLst>
               <a:ext uri="{FF2B5EF4-FFF2-40B4-BE49-F238E27FC236}">
-                <a16:creationId xmlns:a16="http://schemas.microsoft.com/office/drawing/2014/main" id="{B106A8EE-4D92-45CE-8574-1C73CBD0D524}"/>
+                <a16:creationId xmlns="" xmlns:a16="http://schemas.microsoft.com/office/drawing/2014/main" id="{B106A8EE-4D92-45CE-8574-1C73CBD0D524}"/>
               </a:ext>
             </a:extLst>
           </p:cNvPr>
@@ -8420,7 +8869,7 @@
           <p:cNvPr id="4" name="Рисунок 3">
             <a:extLst>
               <a:ext uri="{FF2B5EF4-FFF2-40B4-BE49-F238E27FC236}">
-                <a16:creationId xmlns:a16="http://schemas.microsoft.com/office/drawing/2014/main" id="{9355A480-FEC8-42E8-B858-7ECC8AB60B47}"/>
+                <a16:creationId xmlns="" xmlns:a16="http://schemas.microsoft.com/office/drawing/2014/main" id="{9355A480-FEC8-42E8-B858-7ECC8AB60B47}"/>
               </a:ext>
             </a:extLst>
           </p:cNvPr>
@@ -8445,6 +8894,43 @@
           </a:prstGeom>
         </p:spPr>
       </p:pic>
+      <p:sp>
+        <p:nvSpPr>
+          <p:cNvPr id="5" name="Прямоугольник 4"/>
+          <p:cNvSpPr/>
+          <p:nvPr/>
+        </p:nvSpPr>
+        <p:spPr>
+          <a:xfrm>
+            <a:off x="4263737" y="5985649"/>
+            <a:ext cx="6096000" cy="646331"/>
+          </a:xfrm>
+          <a:prstGeom prst="rect">
+            <a:avLst/>
+          </a:prstGeom>
+        </p:spPr>
+        <p:txBody>
+          <a:bodyPr>
+            <a:spAutoFit/>
+          </a:bodyPr>
+          <a:lstStyle/>
+          <a:p>
+            <a:r>
+              <a:rPr lang="ru-RU" i="1" dirty="0" smtClean="0"/>
+              <a:t>Картинка </a:t>
+            </a:r>
+            <a:r>
+              <a:rPr lang="ru-RU" i="1" dirty="0"/>
+              <a:t>из статьи </a:t>
+            </a:r>
+            <a:r>
+              <a:rPr lang="en-US" i="1" dirty="0"/>
+              <a:t>http://www.sunburst-design.com/papers/CummingsSNUG2008Boston_CDC.pdf </a:t>
+            </a:r>
+            <a:endParaRPr lang="ru-RU" i="1" dirty="0"/>
+          </a:p>
+        </p:txBody>
+      </p:sp>
     </p:spTree>
     <p:extLst>
       <p:ext uri="{BB962C8B-B14F-4D97-AF65-F5344CB8AC3E}">
@@ -8480,7 +8966,7 @@
           <p:cNvPr id="8" name="Picture 7" descr="C:\Users\srg_chs\Desktop\logo_en.jpg">
             <a:extLst>
               <a:ext uri="{FF2B5EF4-FFF2-40B4-BE49-F238E27FC236}">
-                <a16:creationId xmlns:a16="http://schemas.microsoft.com/office/drawing/2014/main" id="{1CBE3CDA-0813-4CAA-BE06-1C0592A42986}"/>
+                <a16:creationId xmlns="" xmlns:a16="http://schemas.microsoft.com/office/drawing/2014/main" id="{1CBE3CDA-0813-4CAA-BE06-1C0592A42986}"/>
               </a:ext>
             </a:extLst>
           </p:cNvPr>
@@ -8527,7 +9013,7 @@
           <p:cNvPr id="6" name="Заголовок 1">
             <a:extLst>
               <a:ext uri="{FF2B5EF4-FFF2-40B4-BE49-F238E27FC236}">
-                <a16:creationId xmlns:a16="http://schemas.microsoft.com/office/drawing/2014/main" id="{B106A8EE-4D92-45CE-8574-1C73CBD0D524}"/>
+                <a16:creationId xmlns="" xmlns:a16="http://schemas.microsoft.com/office/drawing/2014/main" id="{B106A8EE-4D92-45CE-8574-1C73CBD0D524}"/>
               </a:ext>
             </a:extLst>
           </p:cNvPr>
@@ -8566,7 +9052,7 @@
           <p:cNvPr id="3" name="Рисунок 2">
             <a:extLst>
               <a:ext uri="{FF2B5EF4-FFF2-40B4-BE49-F238E27FC236}">
-                <a16:creationId xmlns:a16="http://schemas.microsoft.com/office/drawing/2014/main" id="{DB90F71A-470D-434B-A979-D86D55B75AF9}"/>
+                <a16:creationId xmlns="" xmlns:a16="http://schemas.microsoft.com/office/drawing/2014/main" id="{DB90F71A-470D-434B-A979-D86D55B75AF9}"/>
               </a:ext>
             </a:extLst>
           </p:cNvPr>
@@ -8591,6 +9077,43 @@
           </a:prstGeom>
         </p:spPr>
       </p:pic>
+      <p:sp>
+        <p:nvSpPr>
+          <p:cNvPr id="5" name="Прямоугольник 4"/>
+          <p:cNvSpPr/>
+          <p:nvPr/>
+        </p:nvSpPr>
+        <p:spPr>
+          <a:xfrm>
+            <a:off x="4263737" y="5985649"/>
+            <a:ext cx="6096000" cy="646331"/>
+          </a:xfrm>
+          <a:prstGeom prst="rect">
+            <a:avLst/>
+          </a:prstGeom>
+        </p:spPr>
+        <p:txBody>
+          <a:bodyPr>
+            <a:spAutoFit/>
+          </a:bodyPr>
+          <a:lstStyle/>
+          <a:p>
+            <a:r>
+              <a:rPr lang="ru-RU" i="1" dirty="0" smtClean="0"/>
+              <a:t>Картинка </a:t>
+            </a:r>
+            <a:r>
+              <a:rPr lang="ru-RU" i="1" dirty="0"/>
+              <a:t>из статьи </a:t>
+            </a:r>
+            <a:r>
+              <a:rPr lang="en-US" i="1" dirty="0"/>
+              <a:t>http://www.sunburst-design.com/papers/CummingsSNUG2008Boston_CDC.pdf </a:t>
+            </a:r>
+            <a:endParaRPr lang="ru-RU" i="1" dirty="0"/>
+          </a:p>
+        </p:txBody>
+      </p:sp>
     </p:spTree>
     <p:extLst>
       <p:ext uri="{BB962C8B-B14F-4D97-AF65-F5344CB8AC3E}">
@@ -8626,7 +9149,7 @@
           <p:cNvPr id="8" name="Picture 7" descr="C:\Users\srg_chs\Desktop\logo_en.jpg">
             <a:extLst>
               <a:ext uri="{FF2B5EF4-FFF2-40B4-BE49-F238E27FC236}">
-                <a16:creationId xmlns:a16="http://schemas.microsoft.com/office/drawing/2014/main" id="{1CBE3CDA-0813-4CAA-BE06-1C0592A42986}"/>
+                <a16:creationId xmlns="" xmlns:a16="http://schemas.microsoft.com/office/drawing/2014/main" id="{1CBE3CDA-0813-4CAA-BE06-1C0592A42986}"/>
               </a:ext>
             </a:extLst>
           </p:cNvPr>
@@ -8673,7 +9196,7 @@
           <p:cNvPr id="6" name="Заголовок 1">
             <a:extLst>
               <a:ext uri="{FF2B5EF4-FFF2-40B4-BE49-F238E27FC236}">
-                <a16:creationId xmlns:a16="http://schemas.microsoft.com/office/drawing/2014/main" id="{B106A8EE-4D92-45CE-8574-1C73CBD0D524}"/>
+                <a16:creationId xmlns="" xmlns:a16="http://schemas.microsoft.com/office/drawing/2014/main" id="{B106A8EE-4D92-45CE-8574-1C73CBD0D524}"/>
               </a:ext>
             </a:extLst>
           </p:cNvPr>
@@ -8712,7 +9235,7 @@
           <p:cNvPr id="3" name="Рисунок 2">
             <a:extLst>
               <a:ext uri="{FF2B5EF4-FFF2-40B4-BE49-F238E27FC236}">
-                <a16:creationId xmlns:a16="http://schemas.microsoft.com/office/drawing/2014/main" id="{DB90F71A-470D-434B-A979-D86D55B75AF9}"/>
+                <a16:creationId xmlns="" xmlns:a16="http://schemas.microsoft.com/office/drawing/2014/main" id="{DB90F71A-470D-434B-A979-D86D55B75AF9}"/>
               </a:ext>
             </a:extLst>
           </p:cNvPr>
@@ -8742,7 +9265,7 @@
           <p:cNvPr id="4" name="Рисунок 3">
             <a:extLst>
               <a:ext uri="{FF2B5EF4-FFF2-40B4-BE49-F238E27FC236}">
-                <a16:creationId xmlns:a16="http://schemas.microsoft.com/office/drawing/2014/main" id="{9116272B-B247-4CDB-867A-5659D23E09F6}"/>
+                <a16:creationId xmlns="" xmlns:a16="http://schemas.microsoft.com/office/drawing/2014/main" id="{9116272B-B247-4CDB-867A-5659D23E09F6}"/>
               </a:ext>
             </a:extLst>
           </p:cNvPr>
@@ -8767,6 +9290,43 @@
           </a:prstGeom>
         </p:spPr>
       </p:pic>
+      <p:sp>
+        <p:nvSpPr>
+          <p:cNvPr id="7" name="Прямоугольник 6"/>
+          <p:cNvSpPr/>
+          <p:nvPr/>
+        </p:nvSpPr>
+        <p:spPr>
+          <a:xfrm>
+            <a:off x="4263737" y="5985649"/>
+            <a:ext cx="6096000" cy="646331"/>
+          </a:xfrm>
+          <a:prstGeom prst="rect">
+            <a:avLst/>
+          </a:prstGeom>
+        </p:spPr>
+        <p:txBody>
+          <a:bodyPr>
+            <a:spAutoFit/>
+          </a:bodyPr>
+          <a:lstStyle/>
+          <a:p>
+            <a:r>
+              <a:rPr lang="ru-RU" i="1" dirty="0" smtClean="0"/>
+              <a:t>Картинка </a:t>
+            </a:r>
+            <a:r>
+              <a:rPr lang="ru-RU" i="1" dirty="0"/>
+              <a:t>из статьи </a:t>
+            </a:r>
+            <a:r>
+              <a:rPr lang="en-US" i="1" dirty="0"/>
+              <a:t>http://www.sunburst-design.com/papers/CummingsSNUG2008Boston_CDC.pdf </a:t>
+            </a:r>
+            <a:endParaRPr lang="ru-RU" i="1" dirty="0"/>
+          </a:p>
+        </p:txBody>
+      </p:sp>
     </p:spTree>
     <p:extLst>
       <p:ext uri="{BB962C8B-B14F-4D97-AF65-F5344CB8AC3E}">
@@ -8802,7 +9362,7 @@
           <p:cNvPr id="8" name="Picture 7" descr="C:\Users\srg_chs\Desktop\logo_en.jpg">
             <a:extLst>
               <a:ext uri="{FF2B5EF4-FFF2-40B4-BE49-F238E27FC236}">
-                <a16:creationId xmlns:a16="http://schemas.microsoft.com/office/drawing/2014/main" id="{1CBE3CDA-0813-4CAA-BE06-1C0592A42986}"/>
+                <a16:creationId xmlns="" xmlns:a16="http://schemas.microsoft.com/office/drawing/2014/main" id="{1CBE3CDA-0813-4CAA-BE06-1C0592A42986}"/>
               </a:ext>
             </a:extLst>
           </p:cNvPr>
@@ -8849,7 +9409,7 @@
           <p:cNvPr id="6" name="Заголовок 1">
             <a:extLst>
               <a:ext uri="{FF2B5EF4-FFF2-40B4-BE49-F238E27FC236}">
-                <a16:creationId xmlns:a16="http://schemas.microsoft.com/office/drawing/2014/main" id="{B106A8EE-4D92-45CE-8574-1C73CBD0D524}"/>
+                <a16:creationId xmlns="" xmlns:a16="http://schemas.microsoft.com/office/drawing/2014/main" id="{B106A8EE-4D92-45CE-8574-1C73CBD0D524}"/>
               </a:ext>
             </a:extLst>
           </p:cNvPr>
@@ -8893,7 +9453,7 @@
           <p:cNvPr id="5" name="Рисунок 4">
             <a:extLst>
               <a:ext uri="{FF2B5EF4-FFF2-40B4-BE49-F238E27FC236}">
-                <a16:creationId xmlns:a16="http://schemas.microsoft.com/office/drawing/2014/main" id="{5243DC8E-BA62-4129-A62D-263E59043F14}"/>
+                <a16:creationId xmlns="" xmlns:a16="http://schemas.microsoft.com/office/drawing/2014/main" id="{5243DC8E-BA62-4129-A62D-263E59043F14}"/>
               </a:ext>
             </a:extLst>
           </p:cNvPr>
@@ -8923,7 +9483,7 @@
           <p:cNvPr id="9" name="Рисунок 8">
             <a:extLst>
               <a:ext uri="{FF2B5EF4-FFF2-40B4-BE49-F238E27FC236}">
-                <a16:creationId xmlns:a16="http://schemas.microsoft.com/office/drawing/2014/main" id="{C2C1FFE7-2BBD-499C-BE8E-06008EB89519}"/>
+                <a16:creationId xmlns="" xmlns:a16="http://schemas.microsoft.com/office/drawing/2014/main" id="{C2C1FFE7-2BBD-499C-BE8E-06008EB89519}"/>
               </a:ext>
             </a:extLst>
           </p:cNvPr>
@@ -8948,6 +9508,43 @@
           </a:prstGeom>
         </p:spPr>
       </p:pic>
+      <p:sp>
+        <p:nvSpPr>
+          <p:cNvPr id="7" name="Прямоугольник 6"/>
+          <p:cNvSpPr/>
+          <p:nvPr/>
+        </p:nvSpPr>
+        <p:spPr>
+          <a:xfrm>
+            <a:off x="4263737" y="5985649"/>
+            <a:ext cx="6096000" cy="646331"/>
+          </a:xfrm>
+          <a:prstGeom prst="rect">
+            <a:avLst/>
+          </a:prstGeom>
+        </p:spPr>
+        <p:txBody>
+          <a:bodyPr>
+            <a:spAutoFit/>
+          </a:bodyPr>
+          <a:lstStyle/>
+          <a:p>
+            <a:r>
+              <a:rPr lang="ru-RU" i="1" dirty="0" smtClean="0"/>
+              <a:t>Картинка </a:t>
+            </a:r>
+            <a:r>
+              <a:rPr lang="ru-RU" i="1" dirty="0"/>
+              <a:t>из статьи </a:t>
+            </a:r>
+            <a:r>
+              <a:rPr lang="en-US" i="1" dirty="0"/>
+              <a:t>http://www.sunburst-design.com/papers/CummingsSNUG2008Boston_CDC.pdf </a:t>
+            </a:r>
+            <a:endParaRPr lang="ru-RU" i="1" dirty="0"/>
+          </a:p>
+        </p:txBody>
+      </p:sp>
     </p:spTree>
     <p:extLst>
       <p:ext uri="{BB962C8B-B14F-4D97-AF65-F5344CB8AC3E}">
@@ -8983,7 +9580,7 @@
           <p:cNvPr id="8" name="Picture 7" descr="C:\Users\srg_chs\Desktop\logo_en.jpg">
             <a:extLst>
               <a:ext uri="{FF2B5EF4-FFF2-40B4-BE49-F238E27FC236}">
-                <a16:creationId xmlns:a16="http://schemas.microsoft.com/office/drawing/2014/main" id="{1CBE3CDA-0813-4CAA-BE06-1C0592A42986}"/>
+                <a16:creationId xmlns="" xmlns:a16="http://schemas.microsoft.com/office/drawing/2014/main" id="{1CBE3CDA-0813-4CAA-BE06-1C0592A42986}"/>
               </a:ext>
             </a:extLst>
           </p:cNvPr>
@@ -9030,7 +9627,7 @@
           <p:cNvPr id="6" name="Заголовок 1">
             <a:extLst>
               <a:ext uri="{FF2B5EF4-FFF2-40B4-BE49-F238E27FC236}">
-                <a16:creationId xmlns:a16="http://schemas.microsoft.com/office/drawing/2014/main" id="{B106A8EE-4D92-45CE-8574-1C73CBD0D524}"/>
+                <a16:creationId xmlns="" xmlns:a16="http://schemas.microsoft.com/office/drawing/2014/main" id="{B106A8EE-4D92-45CE-8574-1C73CBD0D524}"/>
               </a:ext>
             </a:extLst>
           </p:cNvPr>
@@ -9074,7 +9671,7 @@
           <p:cNvPr id="3" name="Рисунок 2">
             <a:extLst>
               <a:ext uri="{FF2B5EF4-FFF2-40B4-BE49-F238E27FC236}">
-                <a16:creationId xmlns:a16="http://schemas.microsoft.com/office/drawing/2014/main" id="{AE66B8AE-2133-4B87-A739-FC644CF2283E}"/>
+                <a16:creationId xmlns="" xmlns:a16="http://schemas.microsoft.com/office/drawing/2014/main" id="{AE66B8AE-2133-4B87-A739-FC644CF2283E}"/>
               </a:ext>
             </a:extLst>
           </p:cNvPr>
@@ -9099,6 +9696,43 @@
           </a:prstGeom>
         </p:spPr>
       </p:pic>
+      <p:sp>
+        <p:nvSpPr>
+          <p:cNvPr id="5" name="Прямоугольник 4"/>
+          <p:cNvSpPr/>
+          <p:nvPr/>
+        </p:nvSpPr>
+        <p:spPr>
+          <a:xfrm>
+            <a:off x="4263737" y="5985649"/>
+            <a:ext cx="6096000" cy="646331"/>
+          </a:xfrm>
+          <a:prstGeom prst="rect">
+            <a:avLst/>
+          </a:prstGeom>
+        </p:spPr>
+        <p:txBody>
+          <a:bodyPr>
+            <a:spAutoFit/>
+          </a:bodyPr>
+          <a:lstStyle/>
+          <a:p>
+            <a:r>
+              <a:rPr lang="ru-RU" i="1" dirty="0" smtClean="0"/>
+              <a:t>Картинка </a:t>
+            </a:r>
+            <a:r>
+              <a:rPr lang="ru-RU" i="1" dirty="0"/>
+              <a:t>из статьи </a:t>
+            </a:r>
+            <a:r>
+              <a:rPr lang="en-US" i="1" dirty="0"/>
+              <a:t>http://www.sunburst-design.com/papers/CummingsSNUG2008Boston_CDC.pdf </a:t>
+            </a:r>
+            <a:endParaRPr lang="ru-RU" i="1" dirty="0"/>
+          </a:p>
+        </p:txBody>
+      </p:sp>
     </p:spTree>
     <p:extLst>
       <p:ext uri="{BB962C8B-B14F-4D97-AF65-F5344CB8AC3E}">
@@ -9134,7 +9768,7 @@
           <p:cNvPr id="3" name="Номер слайда 2">
             <a:extLst>
               <a:ext uri="{FF2B5EF4-FFF2-40B4-BE49-F238E27FC236}">
-                <a16:creationId xmlns:a16="http://schemas.microsoft.com/office/drawing/2014/main" id="{5D61274A-C09D-4166-A231-F36D40CDF214}"/>
+                <a16:creationId xmlns="" xmlns:a16="http://schemas.microsoft.com/office/drawing/2014/main" id="{5D61274A-C09D-4166-A231-F36D40CDF214}"/>
               </a:ext>
             </a:extLst>
           </p:cNvPr>
@@ -9163,7 +9797,7 @@
           <p:cNvPr id="8" name="Picture 7" descr="C:\Users\srg_chs\Desktop\logo_en.jpg">
             <a:extLst>
               <a:ext uri="{FF2B5EF4-FFF2-40B4-BE49-F238E27FC236}">
-                <a16:creationId xmlns:a16="http://schemas.microsoft.com/office/drawing/2014/main" id="{D362764D-8F45-45B1-BF04-7A35F9C85409}"/>
+                <a16:creationId xmlns="" xmlns:a16="http://schemas.microsoft.com/office/drawing/2014/main" id="{D362764D-8F45-45B1-BF04-7A35F9C85409}"/>
               </a:ext>
             </a:extLst>
           </p:cNvPr>
@@ -9210,7 +9844,7 @@
           <p:cNvPr id="6" name="Объект 5">
             <a:extLst>
               <a:ext uri="{FF2B5EF4-FFF2-40B4-BE49-F238E27FC236}">
-                <a16:creationId xmlns:a16="http://schemas.microsoft.com/office/drawing/2014/main" id="{24D94833-4178-4177-A9B6-42F17FC17341}"/>
+                <a16:creationId xmlns="" xmlns:a16="http://schemas.microsoft.com/office/drawing/2014/main" id="{24D94833-4178-4177-A9B6-42F17FC17341}"/>
               </a:ext>
             </a:extLst>
           </p:cNvPr>
@@ -9275,7 +9909,7 @@
           <p:cNvPr id="8" name="Picture 7" descr="C:\Users\srg_chs\Desktop\logo_en.jpg">
             <a:extLst>
               <a:ext uri="{FF2B5EF4-FFF2-40B4-BE49-F238E27FC236}">
-                <a16:creationId xmlns:a16="http://schemas.microsoft.com/office/drawing/2014/main" id="{1CBE3CDA-0813-4CAA-BE06-1C0592A42986}"/>
+                <a16:creationId xmlns="" xmlns:a16="http://schemas.microsoft.com/office/drawing/2014/main" id="{1CBE3CDA-0813-4CAA-BE06-1C0592A42986}"/>
               </a:ext>
             </a:extLst>
           </p:cNvPr>
@@ -9322,7 +9956,7 @@
           <p:cNvPr id="6" name="Заголовок 1">
             <a:extLst>
               <a:ext uri="{FF2B5EF4-FFF2-40B4-BE49-F238E27FC236}">
-                <a16:creationId xmlns:a16="http://schemas.microsoft.com/office/drawing/2014/main" id="{B106A8EE-4D92-45CE-8574-1C73CBD0D524}"/>
+                <a16:creationId xmlns="" xmlns:a16="http://schemas.microsoft.com/office/drawing/2014/main" id="{B106A8EE-4D92-45CE-8574-1C73CBD0D524}"/>
               </a:ext>
             </a:extLst>
           </p:cNvPr>
@@ -9366,7 +10000,7 @@
           <p:cNvPr id="3" name="Рисунок 2">
             <a:extLst>
               <a:ext uri="{FF2B5EF4-FFF2-40B4-BE49-F238E27FC236}">
-                <a16:creationId xmlns:a16="http://schemas.microsoft.com/office/drawing/2014/main" id="{AE66B8AE-2133-4B87-A739-FC644CF2283E}"/>
+                <a16:creationId xmlns="" xmlns:a16="http://schemas.microsoft.com/office/drawing/2014/main" id="{AE66B8AE-2133-4B87-A739-FC644CF2283E}"/>
               </a:ext>
             </a:extLst>
           </p:cNvPr>
@@ -9391,6 +10025,43 @@
           </a:prstGeom>
         </p:spPr>
       </p:pic>
+      <p:sp>
+        <p:nvSpPr>
+          <p:cNvPr id="5" name="Прямоугольник 4"/>
+          <p:cNvSpPr/>
+          <p:nvPr/>
+        </p:nvSpPr>
+        <p:spPr>
+          <a:xfrm>
+            <a:off x="4263737" y="5985649"/>
+            <a:ext cx="6096000" cy="646331"/>
+          </a:xfrm>
+          <a:prstGeom prst="rect">
+            <a:avLst/>
+          </a:prstGeom>
+        </p:spPr>
+        <p:txBody>
+          <a:bodyPr>
+            <a:spAutoFit/>
+          </a:bodyPr>
+          <a:lstStyle/>
+          <a:p>
+            <a:r>
+              <a:rPr lang="ru-RU" i="1" dirty="0" smtClean="0"/>
+              <a:t>Картинка </a:t>
+            </a:r>
+            <a:r>
+              <a:rPr lang="ru-RU" i="1" dirty="0"/>
+              <a:t>из статьи </a:t>
+            </a:r>
+            <a:r>
+              <a:rPr lang="en-US" i="1" dirty="0"/>
+              <a:t>http://www.sunburst-design.com/papers/CummingsSNUG2008Boston_CDC.pdf </a:t>
+            </a:r>
+            <a:endParaRPr lang="ru-RU" i="1" dirty="0"/>
+          </a:p>
+        </p:txBody>
+      </p:sp>
     </p:spTree>
     <p:extLst>
       <p:ext uri="{BB962C8B-B14F-4D97-AF65-F5344CB8AC3E}">
@@ -9426,7 +10097,7 @@
           <p:cNvPr id="8" name="Picture 7" descr="C:\Users\srg_chs\Desktop\logo_en.jpg">
             <a:extLst>
               <a:ext uri="{FF2B5EF4-FFF2-40B4-BE49-F238E27FC236}">
-                <a16:creationId xmlns:a16="http://schemas.microsoft.com/office/drawing/2014/main" id="{1CBE3CDA-0813-4CAA-BE06-1C0592A42986}"/>
+                <a16:creationId xmlns="" xmlns:a16="http://schemas.microsoft.com/office/drawing/2014/main" id="{1CBE3CDA-0813-4CAA-BE06-1C0592A42986}"/>
               </a:ext>
             </a:extLst>
           </p:cNvPr>
@@ -9473,7 +10144,7 @@
           <p:cNvPr id="6" name="Заголовок 1">
             <a:extLst>
               <a:ext uri="{FF2B5EF4-FFF2-40B4-BE49-F238E27FC236}">
-                <a16:creationId xmlns:a16="http://schemas.microsoft.com/office/drawing/2014/main" id="{B106A8EE-4D92-45CE-8574-1C73CBD0D524}"/>
+                <a16:creationId xmlns="" xmlns:a16="http://schemas.microsoft.com/office/drawing/2014/main" id="{B106A8EE-4D92-45CE-8574-1C73CBD0D524}"/>
               </a:ext>
             </a:extLst>
           </p:cNvPr>
@@ -9517,7 +10188,7 @@
           <p:cNvPr id="4" name="Рисунок 3">
             <a:extLst>
               <a:ext uri="{FF2B5EF4-FFF2-40B4-BE49-F238E27FC236}">
-                <a16:creationId xmlns:a16="http://schemas.microsoft.com/office/drawing/2014/main" id="{233C9544-A58C-4B50-A727-082EE1D8184F}"/>
+                <a16:creationId xmlns="" xmlns:a16="http://schemas.microsoft.com/office/drawing/2014/main" id="{233C9544-A58C-4B50-A727-082EE1D8184F}"/>
               </a:ext>
             </a:extLst>
           </p:cNvPr>
@@ -9542,6 +10213,43 @@
           </a:prstGeom>
         </p:spPr>
       </p:pic>
+      <p:sp>
+        <p:nvSpPr>
+          <p:cNvPr id="5" name="Прямоугольник 4"/>
+          <p:cNvSpPr/>
+          <p:nvPr/>
+        </p:nvSpPr>
+        <p:spPr>
+          <a:xfrm>
+            <a:off x="4263737" y="5985649"/>
+            <a:ext cx="6096000" cy="646331"/>
+          </a:xfrm>
+          <a:prstGeom prst="rect">
+            <a:avLst/>
+          </a:prstGeom>
+        </p:spPr>
+        <p:txBody>
+          <a:bodyPr>
+            <a:spAutoFit/>
+          </a:bodyPr>
+          <a:lstStyle/>
+          <a:p>
+            <a:r>
+              <a:rPr lang="ru-RU" i="1" dirty="0" smtClean="0"/>
+              <a:t>Картинка </a:t>
+            </a:r>
+            <a:r>
+              <a:rPr lang="ru-RU" i="1" dirty="0"/>
+              <a:t>из статьи </a:t>
+            </a:r>
+            <a:r>
+              <a:rPr lang="en-US" i="1" dirty="0"/>
+              <a:t>http://www.sunburst-design.com/papers/CummingsSNUG2008Boston_CDC.pdf </a:t>
+            </a:r>
+            <a:endParaRPr lang="ru-RU" i="1" dirty="0"/>
+          </a:p>
+        </p:txBody>
+      </p:sp>
     </p:spTree>
     <p:extLst>
       <p:ext uri="{BB962C8B-B14F-4D97-AF65-F5344CB8AC3E}">
@@ -9577,7 +10285,7 @@
           <p:cNvPr id="2" name="Заголовок 1">
             <a:extLst>
               <a:ext uri="{FF2B5EF4-FFF2-40B4-BE49-F238E27FC236}">
-                <a16:creationId xmlns:a16="http://schemas.microsoft.com/office/drawing/2014/main" id="{E2354C69-6F00-480A-A1C5-16DEDF7F6D94}"/>
+                <a16:creationId xmlns="" xmlns:a16="http://schemas.microsoft.com/office/drawing/2014/main" id="{E2354C69-6F00-480A-A1C5-16DEDF7F6D94}"/>
               </a:ext>
             </a:extLst>
           </p:cNvPr>
@@ -9629,7 +10337,7 @@
           <p:cNvPr id="3" name="Номер слайда 2">
             <a:extLst>
               <a:ext uri="{FF2B5EF4-FFF2-40B4-BE49-F238E27FC236}">
-                <a16:creationId xmlns:a16="http://schemas.microsoft.com/office/drawing/2014/main" id="{5D61274A-C09D-4166-A231-F36D40CDF214}"/>
+                <a16:creationId xmlns="" xmlns:a16="http://schemas.microsoft.com/office/drawing/2014/main" id="{5D61274A-C09D-4166-A231-F36D40CDF214}"/>
               </a:ext>
             </a:extLst>
           </p:cNvPr>
@@ -9658,7 +10366,7 @@
           <p:cNvPr id="8" name="Picture 7" descr="C:\Users\srg_chs\Desktop\logo_en.jpg">
             <a:extLst>
               <a:ext uri="{FF2B5EF4-FFF2-40B4-BE49-F238E27FC236}">
-                <a16:creationId xmlns:a16="http://schemas.microsoft.com/office/drawing/2014/main" id="{D362764D-8F45-45B1-BF04-7A35F9C85409}"/>
+                <a16:creationId xmlns="" xmlns:a16="http://schemas.microsoft.com/office/drawing/2014/main" id="{D362764D-8F45-45B1-BF04-7A35F9C85409}"/>
               </a:ext>
             </a:extLst>
           </p:cNvPr>
@@ -9705,7 +10413,7 @@
           <p:cNvPr id="7" name="Рисунок 6">
             <a:extLst>
               <a:ext uri="{FF2B5EF4-FFF2-40B4-BE49-F238E27FC236}">
-                <a16:creationId xmlns:a16="http://schemas.microsoft.com/office/drawing/2014/main" id="{BB70AD2A-61CA-473B-B3EB-7C77C5582800}"/>
+                <a16:creationId xmlns="" xmlns:a16="http://schemas.microsoft.com/office/drawing/2014/main" id="{BB70AD2A-61CA-473B-B3EB-7C77C5582800}"/>
               </a:ext>
             </a:extLst>
           </p:cNvPr>
@@ -9765,7 +10473,7 @@
           <p:cNvPr id="2" name="Заголовок 1">
             <a:extLst>
               <a:ext uri="{FF2B5EF4-FFF2-40B4-BE49-F238E27FC236}">
-                <a16:creationId xmlns:a16="http://schemas.microsoft.com/office/drawing/2014/main" id="{E2354C69-6F00-480A-A1C5-16DEDF7F6D94}"/>
+                <a16:creationId xmlns="" xmlns:a16="http://schemas.microsoft.com/office/drawing/2014/main" id="{E2354C69-6F00-480A-A1C5-16DEDF7F6D94}"/>
               </a:ext>
             </a:extLst>
           </p:cNvPr>
@@ -9817,7 +10525,7 @@
           <p:cNvPr id="3" name="Номер слайда 2">
             <a:extLst>
               <a:ext uri="{FF2B5EF4-FFF2-40B4-BE49-F238E27FC236}">
-                <a16:creationId xmlns:a16="http://schemas.microsoft.com/office/drawing/2014/main" id="{5D61274A-C09D-4166-A231-F36D40CDF214}"/>
+                <a16:creationId xmlns="" xmlns:a16="http://schemas.microsoft.com/office/drawing/2014/main" id="{5D61274A-C09D-4166-A231-F36D40CDF214}"/>
               </a:ext>
             </a:extLst>
           </p:cNvPr>
@@ -9846,7 +10554,7 @@
           <p:cNvPr id="8" name="Picture 7" descr="C:\Users\srg_chs\Desktop\logo_en.jpg">
             <a:extLst>
               <a:ext uri="{FF2B5EF4-FFF2-40B4-BE49-F238E27FC236}">
-                <a16:creationId xmlns:a16="http://schemas.microsoft.com/office/drawing/2014/main" id="{D362764D-8F45-45B1-BF04-7A35F9C85409}"/>
+                <a16:creationId xmlns="" xmlns:a16="http://schemas.microsoft.com/office/drawing/2014/main" id="{D362764D-8F45-45B1-BF04-7A35F9C85409}"/>
               </a:ext>
             </a:extLst>
           </p:cNvPr>
@@ -9893,7 +10601,7 @@
           <p:cNvPr id="5" name="Рисунок 4">
             <a:extLst>
               <a:ext uri="{FF2B5EF4-FFF2-40B4-BE49-F238E27FC236}">
-                <a16:creationId xmlns:a16="http://schemas.microsoft.com/office/drawing/2014/main" id="{A148215E-02D0-4D89-8DE6-ADA50D4DADE3}"/>
+                <a16:creationId xmlns="" xmlns:a16="http://schemas.microsoft.com/office/drawing/2014/main" id="{A148215E-02D0-4D89-8DE6-ADA50D4DADE3}"/>
               </a:ext>
             </a:extLst>
           </p:cNvPr>
@@ -9923,7 +10631,7 @@
           <p:cNvPr id="9" name="Рисунок 8">
             <a:extLst>
               <a:ext uri="{FF2B5EF4-FFF2-40B4-BE49-F238E27FC236}">
-                <a16:creationId xmlns:a16="http://schemas.microsoft.com/office/drawing/2014/main" id="{52C77326-D9CF-46AE-ACCC-0C5323039295}"/>
+                <a16:creationId xmlns="" xmlns:a16="http://schemas.microsoft.com/office/drawing/2014/main" id="{52C77326-D9CF-46AE-ACCC-0C5323039295}"/>
               </a:ext>
             </a:extLst>
           </p:cNvPr>
@@ -9983,7 +10691,7 @@
           <p:cNvPr id="2" name="Заголовок 1">
             <a:extLst>
               <a:ext uri="{FF2B5EF4-FFF2-40B4-BE49-F238E27FC236}">
-                <a16:creationId xmlns:a16="http://schemas.microsoft.com/office/drawing/2014/main" id="{E2354C69-6F00-480A-A1C5-16DEDF7F6D94}"/>
+                <a16:creationId xmlns="" xmlns:a16="http://schemas.microsoft.com/office/drawing/2014/main" id="{E2354C69-6F00-480A-A1C5-16DEDF7F6D94}"/>
               </a:ext>
             </a:extLst>
           </p:cNvPr>
@@ -10035,7 +10743,7 @@
           <p:cNvPr id="3" name="Номер слайда 2">
             <a:extLst>
               <a:ext uri="{FF2B5EF4-FFF2-40B4-BE49-F238E27FC236}">
-                <a16:creationId xmlns:a16="http://schemas.microsoft.com/office/drawing/2014/main" id="{5D61274A-C09D-4166-A231-F36D40CDF214}"/>
+                <a16:creationId xmlns="" xmlns:a16="http://schemas.microsoft.com/office/drawing/2014/main" id="{5D61274A-C09D-4166-A231-F36D40CDF214}"/>
               </a:ext>
             </a:extLst>
           </p:cNvPr>
@@ -10064,7 +10772,7 @@
           <p:cNvPr id="8" name="Picture 7" descr="C:\Users\srg_chs\Desktop\logo_en.jpg">
             <a:extLst>
               <a:ext uri="{FF2B5EF4-FFF2-40B4-BE49-F238E27FC236}">
-                <a16:creationId xmlns:a16="http://schemas.microsoft.com/office/drawing/2014/main" id="{D362764D-8F45-45B1-BF04-7A35F9C85409}"/>
+                <a16:creationId xmlns="" xmlns:a16="http://schemas.microsoft.com/office/drawing/2014/main" id="{D362764D-8F45-45B1-BF04-7A35F9C85409}"/>
               </a:ext>
             </a:extLst>
           </p:cNvPr>
@@ -10111,7 +10819,7 @@
           <p:cNvPr id="6" name="Рисунок 5">
             <a:extLst>
               <a:ext uri="{FF2B5EF4-FFF2-40B4-BE49-F238E27FC236}">
-                <a16:creationId xmlns:a16="http://schemas.microsoft.com/office/drawing/2014/main" id="{51CDBCF5-846E-4D66-BC54-0FE3BF54B0CD}"/>
+                <a16:creationId xmlns="" xmlns:a16="http://schemas.microsoft.com/office/drawing/2014/main" id="{51CDBCF5-846E-4D66-BC54-0FE3BF54B0CD}"/>
               </a:ext>
             </a:extLst>
           </p:cNvPr>
@@ -10171,7 +10879,7 @@
           <p:cNvPr id="2" name="Заголовок 1">
             <a:extLst>
               <a:ext uri="{FF2B5EF4-FFF2-40B4-BE49-F238E27FC236}">
-                <a16:creationId xmlns:a16="http://schemas.microsoft.com/office/drawing/2014/main" id="{E2354C69-6F00-480A-A1C5-16DEDF7F6D94}"/>
+                <a16:creationId xmlns="" xmlns:a16="http://schemas.microsoft.com/office/drawing/2014/main" id="{E2354C69-6F00-480A-A1C5-16DEDF7F6D94}"/>
               </a:ext>
             </a:extLst>
           </p:cNvPr>
@@ -10223,7 +10931,7 @@
           <p:cNvPr id="3" name="Номер слайда 2">
             <a:extLst>
               <a:ext uri="{FF2B5EF4-FFF2-40B4-BE49-F238E27FC236}">
-                <a16:creationId xmlns:a16="http://schemas.microsoft.com/office/drawing/2014/main" id="{5D61274A-C09D-4166-A231-F36D40CDF214}"/>
+                <a16:creationId xmlns="" xmlns:a16="http://schemas.microsoft.com/office/drawing/2014/main" id="{5D61274A-C09D-4166-A231-F36D40CDF214}"/>
               </a:ext>
             </a:extLst>
           </p:cNvPr>
@@ -10252,7 +10960,7 @@
           <p:cNvPr id="8" name="Picture 7" descr="C:\Users\srg_chs\Desktop\logo_en.jpg">
             <a:extLst>
               <a:ext uri="{FF2B5EF4-FFF2-40B4-BE49-F238E27FC236}">
-                <a16:creationId xmlns:a16="http://schemas.microsoft.com/office/drawing/2014/main" id="{D362764D-8F45-45B1-BF04-7A35F9C85409}"/>
+                <a16:creationId xmlns="" xmlns:a16="http://schemas.microsoft.com/office/drawing/2014/main" id="{D362764D-8F45-45B1-BF04-7A35F9C85409}"/>
               </a:ext>
             </a:extLst>
           </p:cNvPr>
@@ -10299,7 +11007,7 @@
           <p:cNvPr id="5" name="Рисунок 4">
             <a:extLst>
               <a:ext uri="{FF2B5EF4-FFF2-40B4-BE49-F238E27FC236}">
-                <a16:creationId xmlns:a16="http://schemas.microsoft.com/office/drawing/2014/main" id="{82227036-A304-4F90-BFD3-45A8DC33A795}"/>
+                <a16:creationId xmlns="" xmlns:a16="http://schemas.microsoft.com/office/drawing/2014/main" id="{82227036-A304-4F90-BFD3-45A8DC33A795}"/>
               </a:ext>
             </a:extLst>
           </p:cNvPr>
@@ -10329,7 +11037,7 @@
           <p:cNvPr id="9" name="Рисунок 8">
             <a:extLst>
               <a:ext uri="{FF2B5EF4-FFF2-40B4-BE49-F238E27FC236}">
-                <a16:creationId xmlns:a16="http://schemas.microsoft.com/office/drawing/2014/main" id="{5CA4FF19-D683-43DD-AAD4-FFFD639C5F45}"/>
+                <a16:creationId xmlns="" xmlns:a16="http://schemas.microsoft.com/office/drawing/2014/main" id="{5CA4FF19-D683-43DD-AAD4-FFFD639C5F45}"/>
               </a:ext>
             </a:extLst>
           </p:cNvPr>
@@ -10389,7 +11097,7 @@
           <p:cNvPr id="2" name="Заголовок 1">
             <a:extLst>
               <a:ext uri="{FF2B5EF4-FFF2-40B4-BE49-F238E27FC236}">
-                <a16:creationId xmlns:a16="http://schemas.microsoft.com/office/drawing/2014/main" id="{E2354C69-6F00-480A-A1C5-16DEDF7F6D94}"/>
+                <a16:creationId xmlns="" xmlns:a16="http://schemas.microsoft.com/office/drawing/2014/main" id="{E2354C69-6F00-480A-A1C5-16DEDF7F6D94}"/>
               </a:ext>
             </a:extLst>
           </p:cNvPr>
@@ -10441,7 +11149,7 @@
           <p:cNvPr id="3" name="Номер слайда 2">
             <a:extLst>
               <a:ext uri="{FF2B5EF4-FFF2-40B4-BE49-F238E27FC236}">
-                <a16:creationId xmlns:a16="http://schemas.microsoft.com/office/drawing/2014/main" id="{5D61274A-C09D-4166-A231-F36D40CDF214}"/>
+                <a16:creationId xmlns="" xmlns:a16="http://schemas.microsoft.com/office/drawing/2014/main" id="{5D61274A-C09D-4166-A231-F36D40CDF214}"/>
               </a:ext>
             </a:extLst>
           </p:cNvPr>
@@ -10470,7 +11178,7 @@
           <p:cNvPr id="8" name="Picture 7" descr="C:\Users\srg_chs\Desktop\logo_en.jpg">
             <a:extLst>
               <a:ext uri="{FF2B5EF4-FFF2-40B4-BE49-F238E27FC236}">
-                <a16:creationId xmlns:a16="http://schemas.microsoft.com/office/drawing/2014/main" id="{D362764D-8F45-45B1-BF04-7A35F9C85409}"/>
+                <a16:creationId xmlns="" xmlns:a16="http://schemas.microsoft.com/office/drawing/2014/main" id="{D362764D-8F45-45B1-BF04-7A35F9C85409}"/>
               </a:ext>
             </a:extLst>
           </p:cNvPr>
@@ -10517,7 +11225,7 @@
           <p:cNvPr id="9" name="Рисунок 8">
             <a:extLst>
               <a:ext uri="{FF2B5EF4-FFF2-40B4-BE49-F238E27FC236}">
-                <a16:creationId xmlns:a16="http://schemas.microsoft.com/office/drawing/2014/main" id="{5CA4FF19-D683-43DD-AAD4-FFFD639C5F45}"/>
+                <a16:creationId xmlns="" xmlns:a16="http://schemas.microsoft.com/office/drawing/2014/main" id="{5CA4FF19-D683-43DD-AAD4-FFFD639C5F45}"/>
               </a:ext>
             </a:extLst>
           </p:cNvPr>
@@ -10547,7 +11255,7 @@
           <p:cNvPr id="6" name="Рисунок 5">
             <a:extLst>
               <a:ext uri="{FF2B5EF4-FFF2-40B4-BE49-F238E27FC236}">
-                <a16:creationId xmlns:a16="http://schemas.microsoft.com/office/drawing/2014/main" id="{885E515F-1863-42F7-AF99-BBA377A26969}"/>
+                <a16:creationId xmlns="" xmlns:a16="http://schemas.microsoft.com/office/drawing/2014/main" id="{885E515F-1863-42F7-AF99-BBA377A26969}"/>
               </a:ext>
             </a:extLst>
           </p:cNvPr>
@@ -10607,7 +11315,7 @@
           <p:cNvPr id="2" name="Заголовок 1">
             <a:extLst>
               <a:ext uri="{FF2B5EF4-FFF2-40B4-BE49-F238E27FC236}">
-                <a16:creationId xmlns:a16="http://schemas.microsoft.com/office/drawing/2014/main" id="{E2354C69-6F00-480A-A1C5-16DEDF7F6D94}"/>
+                <a16:creationId xmlns="" xmlns:a16="http://schemas.microsoft.com/office/drawing/2014/main" id="{E2354C69-6F00-480A-A1C5-16DEDF7F6D94}"/>
               </a:ext>
             </a:extLst>
           </p:cNvPr>
@@ -10659,7 +11367,7 @@
           <p:cNvPr id="3" name="Номер слайда 2">
             <a:extLst>
               <a:ext uri="{FF2B5EF4-FFF2-40B4-BE49-F238E27FC236}">
-                <a16:creationId xmlns:a16="http://schemas.microsoft.com/office/drawing/2014/main" id="{5D61274A-C09D-4166-A231-F36D40CDF214}"/>
+                <a16:creationId xmlns="" xmlns:a16="http://schemas.microsoft.com/office/drawing/2014/main" id="{5D61274A-C09D-4166-A231-F36D40CDF214}"/>
               </a:ext>
             </a:extLst>
           </p:cNvPr>
@@ -10688,7 +11396,7 @@
           <p:cNvPr id="8" name="Picture 7" descr="C:\Users\srg_chs\Desktop\logo_en.jpg">
             <a:extLst>
               <a:ext uri="{FF2B5EF4-FFF2-40B4-BE49-F238E27FC236}">
-                <a16:creationId xmlns:a16="http://schemas.microsoft.com/office/drawing/2014/main" id="{D362764D-8F45-45B1-BF04-7A35F9C85409}"/>
+                <a16:creationId xmlns="" xmlns:a16="http://schemas.microsoft.com/office/drawing/2014/main" id="{D362764D-8F45-45B1-BF04-7A35F9C85409}"/>
               </a:ext>
             </a:extLst>
           </p:cNvPr>
@@ -10735,7 +11443,7 @@
           <p:cNvPr id="5" name="Рисунок 4">
             <a:extLst>
               <a:ext uri="{FF2B5EF4-FFF2-40B4-BE49-F238E27FC236}">
-                <a16:creationId xmlns:a16="http://schemas.microsoft.com/office/drawing/2014/main" id="{36E28DFA-52EC-4FE8-AD74-8D1720D676C1}"/>
+                <a16:creationId xmlns="" xmlns:a16="http://schemas.microsoft.com/office/drawing/2014/main" id="{36E28DFA-52EC-4FE8-AD74-8D1720D676C1}"/>
               </a:ext>
             </a:extLst>
           </p:cNvPr>
@@ -10795,7 +11503,7 @@
           <p:cNvPr id="2" name="Заголовок 1">
             <a:extLst>
               <a:ext uri="{FF2B5EF4-FFF2-40B4-BE49-F238E27FC236}">
-                <a16:creationId xmlns:a16="http://schemas.microsoft.com/office/drawing/2014/main" id="{E2354C69-6F00-480A-A1C5-16DEDF7F6D94}"/>
+                <a16:creationId xmlns="" xmlns:a16="http://schemas.microsoft.com/office/drawing/2014/main" id="{E2354C69-6F00-480A-A1C5-16DEDF7F6D94}"/>
               </a:ext>
             </a:extLst>
           </p:cNvPr>
@@ -10847,7 +11555,7 @@
           <p:cNvPr id="3" name="Номер слайда 2">
             <a:extLst>
               <a:ext uri="{FF2B5EF4-FFF2-40B4-BE49-F238E27FC236}">
-                <a16:creationId xmlns:a16="http://schemas.microsoft.com/office/drawing/2014/main" id="{5D61274A-C09D-4166-A231-F36D40CDF214}"/>
+                <a16:creationId xmlns="" xmlns:a16="http://schemas.microsoft.com/office/drawing/2014/main" id="{5D61274A-C09D-4166-A231-F36D40CDF214}"/>
               </a:ext>
             </a:extLst>
           </p:cNvPr>
@@ -10876,7 +11584,7 @@
           <p:cNvPr id="8" name="Picture 7" descr="C:\Users\srg_chs\Desktop\logo_en.jpg">
             <a:extLst>
               <a:ext uri="{FF2B5EF4-FFF2-40B4-BE49-F238E27FC236}">
-                <a16:creationId xmlns:a16="http://schemas.microsoft.com/office/drawing/2014/main" id="{D362764D-8F45-45B1-BF04-7A35F9C85409}"/>
+                <a16:creationId xmlns="" xmlns:a16="http://schemas.microsoft.com/office/drawing/2014/main" id="{D362764D-8F45-45B1-BF04-7A35F9C85409}"/>
               </a:ext>
             </a:extLst>
           </p:cNvPr>
@@ -10923,7 +11631,7 @@
           <p:cNvPr id="6" name="Рисунок 5">
             <a:extLst>
               <a:ext uri="{FF2B5EF4-FFF2-40B4-BE49-F238E27FC236}">
-                <a16:creationId xmlns:a16="http://schemas.microsoft.com/office/drawing/2014/main" id="{B26E5E78-92A8-4586-94F8-A03FC3FDEDBC}"/>
+                <a16:creationId xmlns="" xmlns:a16="http://schemas.microsoft.com/office/drawing/2014/main" id="{B26E5E78-92A8-4586-94F8-A03FC3FDEDBC}"/>
               </a:ext>
             </a:extLst>
           </p:cNvPr>
@@ -10953,7 +11661,7 @@
           <p:cNvPr id="10" name="Рисунок 9">
             <a:extLst>
               <a:ext uri="{FF2B5EF4-FFF2-40B4-BE49-F238E27FC236}">
-                <a16:creationId xmlns:a16="http://schemas.microsoft.com/office/drawing/2014/main" id="{2522F502-9B2F-4001-8FEA-3409461566BA}"/>
+                <a16:creationId xmlns="" xmlns:a16="http://schemas.microsoft.com/office/drawing/2014/main" id="{2522F502-9B2F-4001-8FEA-3409461566BA}"/>
               </a:ext>
             </a:extLst>
           </p:cNvPr>
@@ -11013,7 +11721,7 @@
           <p:cNvPr id="2" name="Заголовок 1">
             <a:extLst>
               <a:ext uri="{FF2B5EF4-FFF2-40B4-BE49-F238E27FC236}">
-                <a16:creationId xmlns:a16="http://schemas.microsoft.com/office/drawing/2014/main" id="{E2354C69-6F00-480A-A1C5-16DEDF7F6D94}"/>
+                <a16:creationId xmlns="" xmlns:a16="http://schemas.microsoft.com/office/drawing/2014/main" id="{E2354C69-6F00-480A-A1C5-16DEDF7F6D94}"/>
               </a:ext>
             </a:extLst>
           </p:cNvPr>
@@ -11065,7 +11773,7 @@
           <p:cNvPr id="3" name="Номер слайда 2">
             <a:extLst>
               <a:ext uri="{FF2B5EF4-FFF2-40B4-BE49-F238E27FC236}">
-                <a16:creationId xmlns:a16="http://schemas.microsoft.com/office/drawing/2014/main" id="{5D61274A-C09D-4166-A231-F36D40CDF214}"/>
+                <a16:creationId xmlns="" xmlns:a16="http://schemas.microsoft.com/office/drawing/2014/main" id="{5D61274A-C09D-4166-A231-F36D40CDF214}"/>
               </a:ext>
             </a:extLst>
           </p:cNvPr>
@@ -11094,7 +11802,7 @@
           <p:cNvPr id="8" name="Picture 7" descr="C:\Users\srg_chs\Desktop\logo_en.jpg">
             <a:extLst>
               <a:ext uri="{FF2B5EF4-FFF2-40B4-BE49-F238E27FC236}">
-                <a16:creationId xmlns:a16="http://schemas.microsoft.com/office/drawing/2014/main" id="{D362764D-8F45-45B1-BF04-7A35F9C85409}"/>
+                <a16:creationId xmlns="" xmlns:a16="http://schemas.microsoft.com/office/drawing/2014/main" id="{D362764D-8F45-45B1-BF04-7A35F9C85409}"/>
               </a:ext>
             </a:extLst>
           </p:cNvPr>
@@ -11141,7 +11849,7 @@
           <p:cNvPr id="5" name="Рисунок 4">
             <a:extLst>
               <a:ext uri="{FF2B5EF4-FFF2-40B4-BE49-F238E27FC236}">
-                <a16:creationId xmlns:a16="http://schemas.microsoft.com/office/drawing/2014/main" id="{E900D1E5-D13C-4672-B904-F7D7D93526EF}"/>
+                <a16:creationId xmlns="" xmlns:a16="http://schemas.microsoft.com/office/drawing/2014/main" id="{E900D1E5-D13C-4672-B904-F7D7D93526EF}"/>
               </a:ext>
             </a:extLst>
           </p:cNvPr>
@@ -11201,7 +11909,7 @@
           <p:cNvPr id="2" name="Заголовок 1">
             <a:extLst>
               <a:ext uri="{FF2B5EF4-FFF2-40B4-BE49-F238E27FC236}">
-                <a16:creationId xmlns:a16="http://schemas.microsoft.com/office/drawing/2014/main" id="{E2354C69-6F00-480A-A1C5-16DEDF7F6D94}"/>
+                <a16:creationId xmlns="" xmlns:a16="http://schemas.microsoft.com/office/drawing/2014/main" id="{E2354C69-6F00-480A-A1C5-16DEDF7F6D94}"/>
               </a:ext>
             </a:extLst>
           </p:cNvPr>
@@ -11321,7 +12029,7 @@
           <p:cNvPr id="3" name="Номер слайда 2">
             <a:extLst>
               <a:ext uri="{FF2B5EF4-FFF2-40B4-BE49-F238E27FC236}">
-                <a16:creationId xmlns:a16="http://schemas.microsoft.com/office/drawing/2014/main" id="{5D61274A-C09D-4166-A231-F36D40CDF214}"/>
+                <a16:creationId xmlns="" xmlns:a16="http://schemas.microsoft.com/office/drawing/2014/main" id="{5D61274A-C09D-4166-A231-F36D40CDF214}"/>
               </a:ext>
             </a:extLst>
           </p:cNvPr>
@@ -11350,7 +12058,7 @@
           <p:cNvPr id="8" name="Picture 7" descr="C:\Users\srg_chs\Desktop\logo_en.jpg">
             <a:extLst>
               <a:ext uri="{FF2B5EF4-FFF2-40B4-BE49-F238E27FC236}">
-                <a16:creationId xmlns:a16="http://schemas.microsoft.com/office/drawing/2014/main" id="{D362764D-8F45-45B1-BF04-7A35F9C85409}"/>
+                <a16:creationId xmlns="" xmlns:a16="http://schemas.microsoft.com/office/drawing/2014/main" id="{D362764D-8F45-45B1-BF04-7A35F9C85409}"/>
               </a:ext>
             </a:extLst>
           </p:cNvPr>
@@ -11427,7 +12135,7 @@
           <p:cNvPr id="2" name="Заголовок 1">
             <a:extLst>
               <a:ext uri="{FF2B5EF4-FFF2-40B4-BE49-F238E27FC236}">
-                <a16:creationId xmlns:a16="http://schemas.microsoft.com/office/drawing/2014/main" id="{E2354C69-6F00-480A-A1C5-16DEDF7F6D94}"/>
+                <a16:creationId xmlns="" xmlns:a16="http://schemas.microsoft.com/office/drawing/2014/main" id="{E2354C69-6F00-480A-A1C5-16DEDF7F6D94}"/>
               </a:ext>
             </a:extLst>
           </p:cNvPr>
@@ -11479,7 +12187,7 @@
           <p:cNvPr id="3" name="Номер слайда 2">
             <a:extLst>
               <a:ext uri="{FF2B5EF4-FFF2-40B4-BE49-F238E27FC236}">
-                <a16:creationId xmlns:a16="http://schemas.microsoft.com/office/drawing/2014/main" id="{5D61274A-C09D-4166-A231-F36D40CDF214}"/>
+                <a16:creationId xmlns="" xmlns:a16="http://schemas.microsoft.com/office/drawing/2014/main" id="{5D61274A-C09D-4166-A231-F36D40CDF214}"/>
               </a:ext>
             </a:extLst>
           </p:cNvPr>
@@ -11508,7 +12216,7 @@
           <p:cNvPr id="8" name="Picture 7" descr="C:\Users\srg_chs\Desktop\logo_en.jpg">
             <a:extLst>
               <a:ext uri="{FF2B5EF4-FFF2-40B4-BE49-F238E27FC236}">
-                <a16:creationId xmlns:a16="http://schemas.microsoft.com/office/drawing/2014/main" id="{D362764D-8F45-45B1-BF04-7A35F9C85409}"/>
+                <a16:creationId xmlns="" xmlns:a16="http://schemas.microsoft.com/office/drawing/2014/main" id="{D362764D-8F45-45B1-BF04-7A35F9C85409}"/>
               </a:ext>
             </a:extLst>
           </p:cNvPr>
@@ -11555,7 +12263,7 @@
           <p:cNvPr id="5" name="Рисунок 4">
             <a:extLst>
               <a:ext uri="{FF2B5EF4-FFF2-40B4-BE49-F238E27FC236}">
-                <a16:creationId xmlns:a16="http://schemas.microsoft.com/office/drawing/2014/main" id="{B9F2C894-6E2E-4D47-9D2F-B43864D2D2EF}"/>
+                <a16:creationId xmlns="" xmlns:a16="http://schemas.microsoft.com/office/drawing/2014/main" id="{B9F2C894-6E2E-4D47-9D2F-B43864D2D2EF}"/>
               </a:ext>
             </a:extLst>
           </p:cNvPr>
@@ -11585,7 +12293,7 @@
           <p:cNvPr id="12" name="Рисунок 11">
             <a:extLst>
               <a:ext uri="{FF2B5EF4-FFF2-40B4-BE49-F238E27FC236}">
-                <a16:creationId xmlns:a16="http://schemas.microsoft.com/office/drawing/2014/main" id="{40E1F9EF-E54A-443F-A322-7D4688E92FBE}"/>
+                <a16:creationId xmlns="" xmlns:a16="http://schemas.microsoft.com/office/drawing/2014/main" id="{40E1F9EF-E54A-443F-A322-7D4688E92FBE}"/>
               </a:ext>
             </a:extLst>
           </p:cNvPr>
@@ -11645,7 +12353,7 @@
           <p:cNvPr id="8" name="Picture 7" descr="C:\Users\srg_chs\Desktop\logo_en.jpg">
             <a:extLst>
               <a:ext uri="{FF2B5EF4-FFF2-40B4-BE49-F238E27FC236}">
-                <a16:creationId xmlns:a16="http://schemas.microsoft.com/office/drawing/2014/main" id="{1CBE3CDA-0813-4CAA-BE06-1C0592A42986}"/>
+                <a16:creationId xmlns="" xmlns:a16="http://schemas.microsoft.com/office/drawing/2014/main" id="{1CBE3CDA-0813-4CAA-BE06-1C0592A42986}"/>
               </a:ext>
             </a:extLst>
           </p:cNvPr>
@@ -11692,7 +12400,7 @@
           <p:cNvPr id="6" name="Заголовок 1">
             <a:extLst>
               <a:ext uri="{FF2B5EF4-FFF2-40B4-BE49-F238E27FC236}">
-                <a16:creationId xmlns:a16="http://schemas.microsoft.com/office/drawing/2014/main" id="{B106A8EE-4D92-45CE-8574-1C73CBD0D524}"/>
+                <a16:creationId xmlns="" xmlns:a16="http://schemas.microsoft.com/office/drawing/2014/main" id="{B106A8EE-4D92-45CE-8574-1C73CBD0D524}"/>
               </a:ext>
             </a:extLst>
           </p:cNvPr>
@@ -11731,7 +12439,7 @@
           <p:cNvPr id="3" name="Рисунок 2">
             <a:extLst>
               <a:ext uri="{FF2B5EF4-FFF2-40B4-BE49-F238E27FC236}">
-                <a16:creationId xmlns:a16="http://schemas.microsoft.com/office/drawing/2014/main" id="{B9B18664-F028-4ECA-AAF0-CEB4F116F75F}"/>
+                <a16:creationId xmlns="" xmlns:a16="http://schemas.microsoft.com/office/drawing/2014/main" id="{B9B18664-F028-4ECA-AAF0-CEB4F116F75F}"/>
               </a:ext>
             </a:extLst>
           </p:cNvPr>
@@ -11756,6 +12464,43 @@
           </a:prstGeom>
         </p:spPr>
       </p:pic>
+      <p:sp>
+        <p:nvSpPr>
+          <p:cNvPr id="5" name="Прямоугольник 4"/>
+          <p:cNvSpPr/>
+          <p:nvPr/>
+        </p:nvSpPr>
+        <p:spPr>
+          <a:xfrm>
+            <a:off x="4263737" y="5985649"/>
+            <a:ext cx="6096000" cy="646331"/>
+          </a:xfrm>
+          <a:prstGeom prst="rect">
+            <a:avLst/>
+          </a:prstGeom>
+        </p:spPr>
+        <p:txBody>
+          <a:bodyPr>
+            <a:spAutoFit/>
+          </a:bodyPr>
+          <a:lstStyle/>
+          <a:p>
+            <a:r>
+              <a:rPr lang="ru-RU" i="1" dirty="0" smtClean="0"/>
+              <a:t>Картинка </a:t>
+            </a:r>
+            <a:r>
+              <a:rPr lang="ru-RU" i="1" dirty="0"/>
+              <a:t>из статьи </a:t>
+            </a:r>
+            <a:r>
+              <a:rPr lang="en-US" i="1" dirty="0"/>
+              <a:t>http://www.sunburst-design.com/papers/CummingsSNUG2008Boston_CDC.pdf </a:t>
+            </a:r>
+            <a:endParaRPr lang="ru-RU" i="1" dirty="0"/>
+          </a:p>
+        </p:txBody>
+      </p:sp>
     </p:spTree>
     <p:extLst>
       <p:ext uri="{BB962C8B-B14F-4D97-AF65-F5344CB8AC3E}">
@@ -11791,7 +12536,7 @@
           <p:cNvPr id="8" name="Picture 7" descr="C:\Users\srg_chs\Desktop\logo_en.jpg">
             <a:extLst>
               <a:ext uri="{FF2B5EF4-FFF2-40B4-BE49-F238E27FC236}">
-                <a16:creationId xmlns:a16="http://schemas.microsoft.com/office/drawing/2014/main" id="{1CBE3CDA-0813-4CAA-BE06-1C0592A42986}"/>
+                <a16:creationId xmlns="" xmlns:a16="http://schemas.microsoft.com/office/drawing/2014/main" id="{1CBE3CDA-0813-4CAA-BE06-1C0592A42986}"/>
               </a:ext>
             </a:extLst>
           </p:cNvPr>
@@ -11838,7 +12583,7 @@
           <p:cNvPr id="6" name="Заголовок 1">
             <a:extLst>
               <a:ext uri="{FF2B5EF4-FFF2-40B4-BE49-F238E27FC236}">
-                <a16:creationId xmlns:a16="http://schemas.microsoft.com/office/drawing/2014/main" id="{B106A8EE-4D92-45CE-8574-1C73CBD0D524}"/>
+                <a16:creationId xmlns="" xmlns:a16="http://schemas.microsoft.com/office/drawing/2014/main" id="{B106A8EE-4D92-45CE-8574-1C73CBD0D524}"/>
               </a:ext>
             </a:extLst>
           </p:cNvPr>
@@ -11877,7 +12622,7 @@
           <p:cNvPr id="4" name="Рисунок 3">
             <a:extLst>
               <a:ext uri="{FF2B5EF4-FFF2-40B4-BE49-F238E27FC236}">
-                <a16:creationId xmlns:a16="http://schemas.microsoft.com/office/drawing/2014/main" id="{8F959859-5F2F-4E41-A030-B69B6E136350}"/>
+                <a16:creationId xmlns="" xmlns:a16="http://schemas.microsoft.com/office/drawing/2014/main" id="{8F959859-5F2F-4E41-A030-B69B6E136350}"/>
               </a:ext>
             </a:extLst>
           </p:cNvPr>
@@ -11907,7 +12652,7 @@
           <p:cNvPr id="9" name="Рисунок 8">
             <a:extLst>
               <a:ext uri="{FF2B5EF4-FFF2-40B4-BE49-F238E27FC236}">
-                <a16:creationId xmlns:a16="http://schemas.microsoft.com/office/drawing/2014/main" id="{5C4B15D4-0D88-47E7-86BC-DBCA0C8B29BC}"/>
+                <a16:creationId xmlns="" xmlns:a16="http://schemas.microsoft.com/office/drawing/2014/main" id="{5C4B15D4-0D88-47E7-86BC-DBCA0C8B29BC}"/>
               </a:ext>
             </a:extLst>
           </p:cNvPr>
@@ -11932,6 +12677,43 @@
           </a:prstGeom>
         </p:spPr>
       </p:pic>
+      <p:sp>
+        <p:nvSpPr>
+          <p:cNvPr id="7" name="Прямоугольник 6"/>
+          <p:cNvSpPr/>
+          <p:nvPr/>
+        </p:nvSpPr>
+        <p:spPr>
+          <a:xfrm>
+            <a:off x="4263737" y="5985649"/>
+            <a:ext cx="6096000" cy="646331"/>
+          </a:xfrm>
+          <a:prstGeom prst="rect">
+            <a:avLst/>
+          </a:prstGeom>
+        </p:spPr>
+        <p:txBody>
+          <a:bodyPr>
+            <a:spAutoFit/>
+          </a:bodyPr>
+          <a:lstStyle/>
+          <a:p>
+            <a:r>
+              <a:rPr lang="ru-RU" i="1" dirty="0" smtClean="0"/>
+              <a:t>Картинка </a:t>
+            </a:r>
+            <a:r>
+              <a:rPr lang="ru-RU" i="1" dirty="0"/>
+              <a:t>из статьи </a:t>
+            </a:r>
+            <a:r>
+              <a:rPr lang="en-US" i="1" dirty="0"/>
+              <a:t>http://www.sunburst-design.com/papers/CummingsSNUG2008Boston_CDC.pdf </a:t>
+            </a:r>
+            <a:endParaRPr lang="ru-RU" i="1" dirty="0"/>
+          </a:p>
+        </p:txBody>
+      </p:sp>
     </p:spTree>
     <p:extLst>
       <p:ext uri="{BB962C8B-B14F-4D97-AF65-F5344CB8AC3E}">
@@ -11967,7 +12749,7 @@
           <p:cNvPr id="8" name="Picture 7" descr="C:\Users\srg_chs\Desktop\logo_en.jpg">
             <a:extLst>
               <a:ext uri="{FF2B5EF4-FFF2-40B4-BE49-F238E27FC236}">
-                <a16:creationId xmlns:a16="http://schemas.microsoft.com/office/drawing/2014/main" id="{1CBE3CDA-0813-4CAA-BE06-1C0592A42986}"/>
+                <a16:creationId xmlns="" xmlns:a16="http://schemas.microsoft.com/office/drawing/2014/main" id="{1CBE3CDA-0813-4CAA-BE06-1C0592A42986}"/>
               </a:ext>
             </a:extLst>
           </p:cNvPr>
@@ -12014,7 +12796,7 @@
           <p:cNvPr id="6" name="Заголовок 1">
             <a:extLst>
               <a:ext uri="{FF2B5EF4-FFF2-40B4-BE49-F238E27FC236}">
-                <a16:creationId xmlns:a16="http://schemas.microsoft.com/office/drawing/2014/main" id="{B106A8EE-4D92-45CE-8574-1C73CBD0D524}"/>
+                <a16:creationId xmlns="" xmlns:a16="http://schemas.microsoft.com/office/drawing/2014/main" id="{B106A8EE-4D92-45CE-8574-1C73CBD0D524}"/>
               </a:ext>
             </a:extLst>
           </p:cNvPr>
@@ -12069,7 +12851,7 @@
           <p:cNvPr id="3" name="Рисунок 2">
             <a:extLst>
               <a:ext uri="{FF2B5EF4-FFF2-40B4-BE49-F238E27FC236}">
-                <a16:creationId xmlns:a16="http://schemas.microsoft.com/office/drawing/2014/main" id="{BBD4FCC4-52E3-41F1-836B-C5F0303C9969}"/>
+                <a16:creationId xmlns="" xmlns:a16="http://schemas.microsoft.com/office/drawing/2014/main" id="{BBD4FCC4-52E3-41F1-836B-C5F0303C9969}"/>
               </a:ext>
             </a:extLst>
           </p:cNvPr>
@@ -12094,6 +12876,43 @@
           </a:prstGeom>
         </p:spPr>
       </p:pic>
+      <p:sp>
+        <p:nvSpPr>
+          <p:cNvPr id="5" name="Прямоугольник 4"/>
+          <p:cNvSpPr/>
+          <p:nvPr/>
+        </p:nvSpPr>
+        <p:spPr>
+          <a:xfrm>
+            <a:off x="4263737" y="5985649"/>
+            <a:ext cx="6096000" cy="646331"/>
+          </a:xfrm>
+          <a:prstGeom prst="rect">
+            <a:avLst/>
+          </a:prstGeom>
+        </p:spPr>
+        <p:txBody>
+          <a:bodyPr>
+            <a:spAutoFit/>
+          </a:bodyPr>
+          <a:lstStyle/>
+          <a:p>
+            <a:r>
+              <a:rPr lang="ru-RU" i="1" dirty="0" smtClean="0"/>
+              <a:t>Картинка </a:t>
+            </a:r>
+            <a:r>
+              <a:rPr lang="ru-RU" i="1" dirty="0"/>
+              <a:t>из статьи </a:t>
+            </a:r>
+            <a:r>
+              <a:rPr lang="en-US" i="1" dirty="0"/>
+              <a:t>http://www.sunburst-design.com/papers/CummingsSNUG2008Boston_CDC.pdf </a:t>
+            </a:r>
+            <a:endParaRPr lang="ru-RU" i="1" dirty="0"/>
+          </a:p>
+        </p:txBody>
+      </p:sp>
     </p:spTree>
     <p:extLst>
       <p:ext uri="{BB962C8B-B14F-4D97-AF65-F5344CB8AC3E}">
@@ -12129,7 +12948,7 @@
           <p:cNvPr id="8" name="Picture 7" descr="C:\Users\srg_chs\Desktop\logo_en.jpg">
             <a:extLst>
               <a:ext uri="{FF2B5EF4-FFF2-40B4-BE49-F238E27FC236}">
-                <a16:creationId xmlns:a16="http://schemas.microsoft.com/office/drawing/2014/main" id="{1CBE3CDA-0813-4CAA-BE06-1C0592A42986}"/>
+                <a16:creationId xmlns="" xmlns:a16="http://schemas.microsoft.com/office/drawing/2014/main" id="{1CBE3CDA-0813-4CAA-BE06-1C0592A42986}"/>
               </a:ext>
             </a:extLst>
           </p:cNvPr>
@@ -12176,7 +12995,7 @@
           <p:cNvPr id="6" name="Заголовок 1">
             <a:extLst>
               <a:ext uri="{FF2B5EF4-FFF2-40B4-BE49-F238E27FC236}">
-                <a16:creationId xmlns:a16="http://schemas.microsoft.com/office/drawing/2014/main" id="{B106A8EE-4D92-45CE-8574-1C73CBD0D524}"/>
+                <a16:creationId xmlns="" xmlns:a16="http://schemas.microsoft.com/office/drawing/2014/main" id="{B106A8EE-4D92-45CE-8574-1C73CBD0D524}"/>
               </a:ext>
             </a:extLst>
           </p:cNvPr>
@@ -12228,7 +13047,7 @@
           <p:cNvPr id="4" name="Рисунок 3">
             <a:extLst>
               <a:ext uri="{FF2B5EF4-FFF2-40B4-BE49-F238E27FC236}">
-                <a16:creationId xmlns:a16="http://schemas.microsoft.com/office/drawing/2014/main" id="{B792EB24-BC8F-4F7B-8771-B278EDE16410}"/>
+                <a16:creationId xmlns="" xmlns:a16="http://schemas.microsoft.com/office/drawing/2014/main" id="{B792EB24-BC8F-4F7B-8771-B278EDE16410}"/>
               </a:ext>
             </a:extLst>
           </p:cNvPr>
@@ -12253,6 +13072,43 @@
           </a:prstGeom>
         </p:spPr>
       </p:pic>
+      <p:sp>
+        <p:nvSpPr>
+          <p:cNvPr id="5" name="Прямоугольник 4"/>
+          <p:cNvSpPr/>
+          <p:nvPr/>
+        </p:nvSpPr>
+        <p:spPr>
+          <a:xfrm>
+            <a:off x="4263737" y="5985649"/>
+            <a:ext cx="6096000" cy="646331"/>
+          </a:xfrm>
+          <a:prstGeom prst="rect">
+            <a:avLst/>
+          </a:prstGeom>
+        </p:spPr>
+        <p:txBody>
+          <a:bodyPr>
+            <a:spAutoFit/>
+          </a:bodyPr>
+          <a:lstStyle/>
+          <a:p>
+            <a:r>
+              <a:rPr lang="ru-RU" i="1" dirty="0" smtClean="0"/>
+              <a:t>Картинка </a:t>
+            </a:r>
+            <a:r>
+              <a:rPr lang="ru-RU" i="1" dirty="0"/>
+              <a:t>из статьи </a:t>
+            </a:r>
+            <a:r>
+              <a:rPr lang="en-US" i="1" dirty="0"/>
+              <a:t>http://www.sunburst-design.com/papers/CummingsSNUG2008Boston_CDC.pdf </a:t>
+            </a:r>
+            <a:endParaRPr lang="ru-RU" i="1" dirty="0"/>
+          </a:p>
+        </p:txBody>
+      </p:sp>
     </p:spTree>
     <p:extLst>
       <p:ext uri="{BB962C8B-B14F-4D97-AF65-F5344CB8AC3E}">
@@ -12288,7 +13144,7 @@
           <p:cNvPr id="8" name="Picture 7" descr="C:\Users\srg_chs\Desktop\logo_en.jpg">
             <a:extLst>
               <a:ext uri="{FF2B5EF4-FFF2-40B4-BE49-F238E27FC236}">
-                <a16:creationId xmlns:a16="http://schemas.microsoft.com/office/drawing/2014/main" id="{1CBE3CDA-0813-4CAA-BE06-1C0592A42986}"/>
+                <a16:creationId xmlns="" xmlns:a16="http://schemas.microsoft.com/office/drawing/2014/main" id="{1CBE3CDA-0813-4CAA-BE06-1C0592A42986}"/>
               </a:ext>
             </a:extLst>
           </p:cNvPr>
@@ -12335,7 +13191,7 @@
           <p:cNvPr id="6" name="Заголовок 1">
             <a:extLst>
               <a:ext uri="{FF2B5EF4-FFF2-40B4-BE49-F238E27FC236}">
-                <a16:creationId xmlns:a16="http://schemas.microsoft.com/office/drawing/2014/main" id="{B106A8EE-4D92-45CE-8574-1C73CBD0D524}"/>
+                <a16:creationId xmlns="" xmlns:a16="http://schemas.microsoft.com/office/drawing/2014/main" id="{B106A8EE-4D92-45CE-8574-1C73CBD0D524}"/>
               </a:ext>
             </a:extLst>
           </p:cNvPr>
@@ -12387,7 +13243,7 @@
           <p:cNvPr id="3" name="Рисунок 2">
             <a:extLst>
               <a:ext uri="{FF2B5EF4-FFF2-40B4-BE49-F238E27FC236}">
-                <a16:creationId xmlns:a16="http://schemas.microsoft.com/office/drawing/2014/main" id="{626C63A3-C257-4618-824D-0019EFC18100}"/>
+                <a16:creationId xmlns="" xmlns:a16="http://schemas.microsoft.com/office/drawing/2014/main" id="{626C63A3-C257-4618-824D-0019EFC18100}"/>
               </a:ext>
             </a:extLst>
           </p:cNvPr>
@@ -12412,6 +13268,43 @@
           </a:prstGeom>
         </p:spPr>
       </p:pic>
+      <p:sp>
+        <p:nvSpPr>
+          <p:cNvPr id="5" name="Прямоугольник 4"/>
+          <p:cNvSpPr/>
+          <p:nvPr/>
+        </p:nvSpPr>
+        <p:spPr>
+          <a:xfrm>
+            <a:off x="4263737" y="5985649"/>
+            <a:ext cx="6096000" cy="646331"/>
+          </a:xfrm>
+          <a:prstGeom prst="rect">
+            <a:avLst/>
+          </a:prstGeom>
+        </p:spPr>
+        <p:txBody>
+          <a:bodyPr>
+            <a:spAutoFit/>
+          </a:bodyPr>
+          <a:lstStyle/>
+          <a:p>
+            <a:r>
+              <a:rPr lang="ru-RU" i="1" dirty="0" smtClean="0"/>
+              <a:t>Картинка </a:t>
+            </a:r>
+            <a:r>
+              <a:rPr lang="ru-RU" i="1" dirty="0"/>
+              <a:t>из статьи </a:t>
+            </a:r>
+            <a:r>
+              <a:rPr lang="en-US" i="1" dirty="0"/>
+              <a:t>http://www.sunburst-design.com/papers/CummingsSNUG2008Boston_CDC.pdf </a:t>
+            </a:r>
+            <a:endParaRPr lang="ru-RU" i="1" dirty="0"/>
+          </a:p>
+        </p:txBody>
+      </p:sp>
     </p:spTree>
     <p:extLst>
       <p:ext uri="{BB962C8B-B14F-4D97-AF65-F5344CB8AC3E}">
@@ -12447,7 +13340,7 @@
           <p:cNvPr id="8" name="Picture 7" descr="C:\Users\srg_chs\Desktop\logo_en.jpg">
             <a:extLst>
               <a:ext uri="{FF2B5EF4-FFF2-40B4-BE49-F238E27FC236}">
-                <a16:creationId xmlns:a16="http://schemas.microsoft.com/office/drawing/2014/main" id="{1CBE3CDA-0813-4CAA-BE06-1C0592A42986}"/>
+                <a16:creationId xmlns="" xmlns:a16="http://schemas.microsoft.com/office/drawing/2014/main" id="{1CBE3CDA-0813-4CAA-BE06-1C0592A42986}"/>
               </a:ext>
             </a:extLst>
           </p:cNvPr>
@@ -12494,7 +13387,7 @@
           <p:cNvPr id="6" name="Заголовок 1">
             <a:extLst>
               <a:ext uri="{FF2B5EF4-FFF2-40B4-BE49-F238E27FC236}">
-                <a16:creationId xmlns:a16="http://schemas.microsoft.com/office/drawing/2014/main" id="{B106A8EE-4D92-45CE-8574-1C73CBD0D524}"/>
+                <a16:creationId xmlns="" xmlns:a16="http://schemas.microsoft.com/office/drawing/2014/main" id="{B106A8EE-4D92-45CE-8574-1C73CBD0D524}"/>
               </a:ext>
             </a:extLst>
           </p:cNvPr>
@@ -12546,7 +13439,7 @@
           <p:cNvPr id="7" name="Рисунок 6">
             <a:extLst>
               <a:ext uri="{FF2B5EF4-FFF2-40B4-BE49-F238E27FC236}">
-                <a16:creationId xmlns:a16="http://schemas.microsoft.com/office/drawing/2014/main" id="{F3B68E5C-862F-4435-90D0-59E0C28D9042}"/>
+                <a16:creationId xmlns="" xmlns:a16="http://schemas.microsoft.com/office/drawing/2014/main" id="{F3B68E5C-862F-4435-90D0-59E0C28D9042}"/>
               </a:ext>
             </a:extLst>
           </p:cNvPr>
@@ -12606,7 +13499,7 @@
           <p:cNvPr id="2" name="Заголовок 1">
             <a:extLst>
               <a:ext uri="{FF2B5EF4-FFF2-40B4-BE49-F238E27FC236}">
-                <a16:creationId xmlns:a16="http://schemas.microsoft.com/office/drawing/2014/main" id="{C53FA626-46FE-49B2-8732-CE03C1B2E162}"/>
+                <a16:creationId xmlns="" xmlns:a16="http://schemas.microsoft.com/office/drawing/2014/main" id="{C53FA626-46FE-49B2-8732-CE03C1B2E162}"/>
               </a:ext>
             </a:extLst>
           </p:cNvPr>
@@ -12651,7 +13544,7 @@
           <p:cNvPr id="6" name="Picture 7" descr="C:\Users\srg_chs\Desktop\logo_en.jpg">
             <a:extLst>
               <a:ext uri="{FF2B5EF4-FFF2-40B4-BE49-F238E27FC236}">
-                <a16:creationId xmlns:a16="http://schemas.microsoft.com/office/drawing/2014/main" id="{D362764D-8F45-45B1-BF04-7A35F9C85409}"/>
+                <a16:creationId xmlns="" xmlns:a16="http://schemas.microsoft.com/office/drawing/2014/main" id="{D362764D-8F45-45B1-BF04-7A35F9C85409}"/>
               </a:ext>
             </a:extLst>
           </p:cNvPr>
@@ -12698,7 +13591,7 @@
           <p:cNvPr id="3" name="Номер слайда 2">
             <a:extLst>
               <a:ext uri="{FF2B5EF4-FFF2-40B4-BE49-F238E27FC236}">
-                <a16:creationId xmlns:a16="http://schemas.microsoft.com/office/drawing/2014/main" id="{B5730BF5-2CB6-4D10-800E-B24F23C4411F}"/>
+                <a16:creationId xmlns="" xmlns:a16="http://schemas.microsoft.com/office/drawing/2014/main" id="{B5730BF5-2CB6-4D10-800E-B24F23C4411F}"/>
               </a:ext>
             </a:extLst>
           </p:cNvPr>
@@ -12757,7 +13650,7 @@
           <p:cNvPr id="2" name="Заголовок 1">
             <a:extLst>
               <a:ext uri="{FF2B5EF4-FFF2-40B4-BE49-F238E27FC236}">
-                <a16:creationId xmlns:a16="http://schemas.microsoft.com/office/drawing/2014/main" id="{E2354C69-6F00-480A-A1C5-16DEDF7F6D94}"/>
+                <a16:creationId xmlns="" xmlns:a16="http://schemas.microsoft.com/office/drawing/2014/main" id="{E2354C69-6F00-480A-A1C5-16DEDF7F6D94}"/>
               </a:ext>
             </a:extLst>
           </p:cNvPr>
@@ -12809,7 +13702,7 @@
           <p:cNvPr id="6" name="Объект 5">
             <a:extLst>
               <a:ext uri="{FF2B5EF4-FFF2-40B4-BE49-F238E27FC236}">
-                <a16:creationId xmlns:a16="http://schemas.microsoft.com/office/drawing/2014/main" id="{E3E0C779-6F2C-4F49-AC63-CD826F11738C}"/>
+                <a16:creationId xmlns="" xmlns:a16="http://schemas.microsoft.com/office/drawing/2014/main" id="{E3E0C779-6F2C-4F49-AC63-CD826F11738C}"/>
               </a:ext>
             </a:extLst>
           </p:cNvPr>
@@ -12838,7 +13731,7 @@
           <p:cNvPr id="3" name="Номер слайда 2">
             <a:extLst>
               <a:ext uri="{FF2B5EF4-FFF2-40B4-BE49-F238E27FC236}">
-                <a16:creationId xmlns:a16="http://schemas.microsoft.com/office/drawing/2014/main" id="{5D61274A-C09D-4166-A231-F36D40CDF214}"/>
+                <a16:creationId xmlns="" xmlns:a16="http://schemas.microsoft.com/office/drawing/2014/main" id="{5D61274A-C09D-4166-A231-F36D40CDF214}"/>
               </a:ext>
             </a:extLst>
           </p:cNvPr>
@@ -12867,7 +13760,7 @@
           <p:cNvPr id="8" name="Picture 7" descr="C:\Users\srg_chs\Desktop\logo_en.jpg">
             <a:extLst>
               <a:ext uri="{FF2B5EF4-FFF2-40B4-BE49-F238E27FC236}">
-                <a16:creationId xmlns:a16="http://schemas.microsoft.com/office/drawing/2014/main" id="{D362764D-8F45-45B1-BF04-7A35F9C85409}"/>
+                <a16:creationId xmlns="" xmlns:a16="http://schemas.microsoft.com/office/drawing/2014/main" id="{D362764D-8F45-45B1-BF04-7A35F9C85409}"/>
               </a:ext>
             </a:extLst>
           </p:cNvPr>
@@ -12914,7 +13807,7 @@
           <p:cNvPr id="9" name="Рисунок 8">
             <a:extLst>
               <a:ext uri="{FF2B5EF4-FFF2-40B4-BE49-F238E27FC236}">
-                <a16:creationId xmlns:a16="http://schemas.microsoft.com/office/drawing/2014/main" id="{98F3AD9C-3E17-43D8-98E2-EA6E725A2800}"/>
+                <a16:creationId xmlns="" xmlns:a16="http://schemas.microsoft.com/office/drawing/2014/main" id="{98F3AD9C-3E17-43D8-98E2-EA6E725A2800}"/>
               </a:ext>
             </a:extLst>
           </p:cNvPr>
@@ -12974,7 +13867,7 @@
           <p:cNvPr id="2" name="Заголовок 1">
             <a:extLst>
               <a:ext uri="{FF2B5EF4-FFF2-40B4-BE49-F238E27FC236}">
-                <a16:creationId xmlns:a16="http://schemas.microsoft.com/office/drawing/2014/main" id="{E2354C69-6F00-480A-A1C5-16DEDF7F6D94}"/>
+                <a16:creationId xmlns="" xmlns:a16="http://schemas.microsoft.com/office/drawing/2014/main" id="{E2354C69-6F00-480A-A1C5-16DEDF7F6D94}"/>
               </a:ext>
             </a:extLst>
           </p:cNvPr>
@@ -13026,7 +13919,7 @@
           <p:cNvPr id="3" name="Номер слайда 2">
             <a:extLst>
               <a:ext uri="{FF2B5EF4-FFF2-40B4-BE49-F238E27FC236}">
-                <a16:creationId xmlns:a16="http://schemas.microsoft.com/office/drawing/2014/main" id="{5D61274A-C09D-4166-A231-F36D40CDF214}"/>
+                <a16:creationId xmlns="" xmlns:a16="http://schemas.microsoft.com/office/drawing/2014/main" id="{5D61274A-C09D-4166-A231-F36D40CDF214}"/>
               </a:ext>
             </a:extLst>
           </p:cNvPr>
@@ -13055,7 +13948,7 @@
           <p:cNvPr id="8" name="Picture 7" descr="C:\Users\srg_chs\Desktop\logo_en.jpg">
             <a:extLst>
               <a:ext uri="{FF2B5EF4-FFF2-40B4-BE49-F238E27FC236}">
-                <a16:creationId xmlns:a16="http://schemas.microsoft.com/office/drawing/2014/main" id="{D362764D-8F45-45B1-BF04-7A35F9C85409}"/>
+                <a16:creationId xmlns="" xmlns:a16="http://schemas.microsoft.com/office/drawing/2014/main" id="{D362764D-8F45-45B1-BF04-7A35F9C85409}"/>
               </a:ext>
             </a:extLst>
           </p:cNvPr>
@@ -13102,7 +13995,7 @@
           <p:cNvPr id="12" name="Рисунок 11">
             <a:extLst>
               <a:ext uri="{FF2B5EF4-FFF2-40B4-BE49-F238E27FC236}">
-                <a16:creationId xmlns:a16="http://schemas.microsoft.com/office/drawing/2014/main" id="{75AB45C5-9FFF-437D-801B-B1DCDB7D843D}"/>
+                <a16:creationId xmlns="" xmlns:a16="http://schemas.microsoft.com/office/drawing/2014/main" id="{75AB45C5-9FFF-437D-801B-B1DCDB7D843D}"/>
               </a:ext>
             </a:extLst>
           </p:cNvPr>
@@ -13132,7 +14025,7 @@
           <p:cNvPr id="14" name="Рисунок 13">
             <a:extLst>
               <a:ext uri="{FF2B5EF4-FFF2-40B4-BE49-F238E27FC236}">
-                <a16:creationId xmlns:a16="http://schemas.microsoft.com/office/drawing/2014/main" id="{B0C9287D-2A7D-44F0-8B36-A7552FC480FC}"/>
+                <a16:creationId xmlns="" xmlns:a16="http://schemas.microsoft.com/office/drawing/2014/main" id="{B0C9287D-2A7D-44F0-8B36-A7552FC480FC}"/>
               </a:ext>
             </a:extLst>
           </p:cNvPr>
@@ -13192,7 +14085,7 @@
           <p:cNvPr id="2" name="Заголовок 1">
             <a:extLst>
               <a:ext uri="{FF2B5EF4-FFF2-40B4-BE49-F238E27FC236}">
-                <a16:creationId xmlns:a16="http://schemas.microsoft.com/office/drawing/2014/main" id="{E2354C69-6F00-480A-A1C5-16DEDF7F6D94}"/>
+                <a16:creationId xmlns="" xmlns:a16="http://schemas.microsoft.com/office/drawing/2014/main" id="{E2354C69-6F00-480A-A1C5-16DEDF7F6D94}"/>
               </a:ext>
             </a:extLst>
           </p:cNvPr>
@@ -13244,7 +14137,7 @@
           <p:cNvPr id="3" name="Номер слайда 2">
             <a:extLst>
               <a:ext uri="{FF2B5EF4-FFF2-40B4-BE49-F238E27FC236}">
-                <a16:creationId xmlns:a16="http://schemas.microsoft.com/office/drawing/2014/main" id="{5D61274A-C09D-4166-A231-F36D40CDF214}"/>
+                <a16:creationId xmlns="" xmlns:a16="http://schemas.microsoft.com/office/drawing/2014/main" id="{5D61274A-C09D-4166-A231-F36D40CDF214}"/>
               </a:ext>
             </a:extLst>
           </p:cNvPr>
@@ -13273,7 +14166,7 @@
           <p:cNvPr id="8" name="Picture 7" descr="C:\Users\srg_chs\Desktop\logo_en.jpg">
             <a:extLst>
               <a:ext uri="{FF2B5EF4-FFF2-40B4-BE49-F238E27FC236}">
-                <a16:creationId xmlns:a16="http://schemas.microsoft.com/office/drawing/2014/main" id="{D362764D-8F45-45B1-BF04-7A35F9C85409}"/>
+                <a16:creationId xmlns="" xmlns:a16="http://schemas.microsoft.com/office/drawing/2014/main" id="{D362764D-8F45-45B1-BF04-7A35F9C85409}"/>
               </a:ext>
             </a:extLst>
           </p:cNvPr>
@@ -13320,7 +14213,7 @@
           <p:cNvPr id="5" name="Рисунок 4">
             <a:extLst>
               <a:ext uri="{FF2B5EF4-FFF2-40B4-BE49-F238E27FC236}">
-                <a16:creationId xmlns:a16="http://schemas.microsoft.com/office/drawing/2014/main" id="{09FDDA7B-369E-4D5F-8958-32A29DB416A9}"/>
+                <a16:creationId xmlns="" xmlns:a16="http://schemas.microsoft.com/office/drawing/2014/main" id="{09FDDA7B-369E-4D5F-8958-32A29DB416A9}"/>
               </a:ext>
             </a:extLst>
           </p:cNvPr>
@@ -13350,7 +14243,7 @@
           <p:cNvPr id="7" name="Рисунок 6">
             <a:extLst>
               <a:ext uri="{FF2B5EF4-FFF2-40B4-BE49-F238E27FC236}">
-                <a16:creationId xmlns:a16="http://schemas.microsoft.com/office/drawing/2014/main" id="{FB50C39D-3EB4-4F96-A955-846891AE2404}"/>
+                <a16:creationId xmlns="" xmlns:a16="http://schemas.microsoft.com/office/drawing/2014/main" id="{FB50C39D-3EB4-4F96-A955-846891AE2404}"/>
               </a:ext>
             </a:extLst>
           </p:cNvPr>
@@ -13410,7 +14303,7 @@
           <p:cNvPr id="2" name="Заголовок 1">
             <a:extLst>
               <a:ext uri="{FF2B5EF4-FFF2-40B4-BE49-F238E27FC236}">
-                <a16:creationId xmlns:a16="http://schemas.microsoft.com/office/drawing/2014/main" id="{E2354C69-6F00-480A-A1C5-16DEDF7F6D94}"/>
+                <a16:creationId xmlns="" xmlns:a16="http://schemas.microsoft.com/office/drawing/2014/main" id="{E2354C69-6F00-480A-A1C5-16DEDF7F6D94}"/>
               </a:ext>
             </a:extLst>
           </p:cNvPr>
@@ -13462,7 +14355,7 @@
           <p:cNvPr id="3" name="Номер слайда 2">
             <a:extLst>
               <a:ext uri="{FF2B5EF4-FFF2-40B4-BE49-F238E27FC236}">
-                <a16:creationId xmlns:a16="http://schemas.microsoft.com/office/drawing/2014/main" id="{5D61274A-C09D-4166-A231-F36D40CDF214}"/>
+                <a16:creationId xmlns="" xmlns:a16="http://schemas.microsoft.com/office/drawing/2014/main" id="{5D61274A-C09D-4166-A231-F36D40CDF214}"/>
               </a:ext>
             </a:extLst>
           </p:cNvPr>
@@ -13491,7 +14384,7 @@
           <p:cNvPr id="8" name="Picture 7" descr="C:\Users\srg_chs\Desktop\logo_en.jpg">
             <a:extLst>
               <a:ext uri="{FF2B5EF4-FFF2-40B4-BE49-F238E27FC236}">
-                <a16:creationId xmlns:a16="http://schemas.microsoft.com/office/drawing/2014/main" id="{D362764D-8F45-45B1-BF04-7A35F9C85409}"/>
+                <a16:creationId xmlns="" xmlns:a16="http://schemas.microsoft.com/office/drawing/2014/main" id="{D362764D-8F45-45B1-BF04-7A35F9C85409}"/>
               </a:ext>
             </a:extLst>
           </p:cNvPr>
@@ -13538,7 +14431,7 @@
           <p:cNvPr id="6" name="Рисунок 5">
             <a:extLst>
               <a:ext uri="{FF2B5EF4-FFF2-40B4-BE49-F238E27FC236}">
-                <a16:creationId xmlns:a16="http://schemas.microsoft.com/office/drawing/2014/main" id="{678B6075-0A02-41BF-BD4F-AC508A4FEE40}"/>
+                <a16:creationId xmlns="" xmlns:a16="http://schemas.microsoft.com/office/drawing/2014/main" id="{678B6075-0A02-41BF-BD4F-AC508A4FEE40}"/>
               </a:ext>
             </a:extLst>
           </p:cNvPr>
@@ -13568,7 +14461,7 @@
           <p:cNvPr id="10" name="Рисунок 9">
             <a:extLst>
               <a:ext uri="{FF2B5EF4-FFF2-40B4-BE49-F238E27FC236}">
-                <a16:creationId xmlns:a16="http://schemas.microsoft.com/office/drawing/2014/main" id="{6FD0F862-95B1-4F2B-B9E6-3AEAFE8D6EBB}"/>
+                <a16:creationId xmlns="" xmlns:a16="http://schemas.microsoft.com/office/drawing/2014/main" id="{6FD0F862-95B1-4F2B-B9E6-3AEAFE8D6EBB}"/>
               </a:ext>
             </a:extLst>
           </p:cNvPr>
@@ -13598,7 +14491,7 @@
           <p:cNvPr id="12" name="Рисунок 11">
             <a:extLst>
               <a:ext uri="{FF2B5EF4-FFF2-40B4-BE49-F238E27FC236}">
-                <a16:creationId xmlns:a16="http://schemas.microsoft.com/office/drawing/2014/main" id="{BA2807F6-1F19-4482-925E-8A8D4CE14C01}"/>
+                <a16:creationId xmlns="" xmlns:a16="http://schemas.microsoft.com/office/drawing/2014/main" id="{BA2807F6-1F19-4482-925E-8A8D4CE14C01}"/>
               </a:ext>
             </a:extLst>
           </p:cNvPr>
@@ -13658,7 +14551,7 @@
           <p:cNvPr id="2" name="Заголовок 1">
             <a:extLst>
               <a:ext uri="{FF2B5EF4-FFF2-40B4-BE49-F238E27FC236}">
-                <a16:creationId xmlns:a16="http://schemas.microsoft.com/office/drawing/2014/main" id="{E2354C69-6F00-480A-A1C5-16DEDF7F6D94}"/>
+                <a16:creationId xmlns="" xmlns:a16="http://schemas.microsoft.com/office/drawing/2014/main" id="{E2354C69-6F00-480A-A1C5-16DEDF7F6D94}"/>
               </a:ext>
             </a:extLst>
           </p:cNvPr>
@@ -13702,7 +14595,7 @@
           <p:cNvPr id="3" name="Номер слайда 2">
             <a:extLst>
               <a:ext uri="{FF2B5EF4-FFF2-40B4-BE49-F238E27FC236}">
-                <a16:creationId xmlns:a16="http://schemas.microsoft.com/office/drawing/2014/main" id="{5D61274A-C09D-4166-A231-F36D40CDF214}"/>
+                <a16:creationId xmlns="" xmlns:a16="http://schemas.microsoft.com/office/drawing/2014/main" id="{5D61274A-C09D-4166-A231-F36D40CDF214}"/>
               </a:ext>
             </a:extLst>
           </p:cNvPr>
@@ -13731,7 +14624,7 @@
           <p:cNvPr id="8" name="Picture 7" descr="C:\Users\srg_chs\Desktop\logo_en.jpg">
             <a:extLst>
               <a:ext uri="{FF2B5EF4-FFF2-40B4-BE49-F238E27FC236}">
-                <a16:creationId xmlns:a16="http://schemas.microsoft.com/office/drawing/2014/main" id="{D362764D-8F45-45B1-BF04-7A35F9C85409}"/>
+                <a16:creationId xmlns="" xmlns:a16="http://schemas.microsoft.com/office/drawing/2014/main" id="{D362764D-8F45-45B1-BF04-7A35F9C85409}"/>
               </a:ext>
             </a:extLst>
           </p:cNvPr>
@@ -13778,7 +14671,7 @@
           <p:cNvPr id="5" name="Рисунок 4">
             <a:extLst>
               <a:ext uri="{FF2B5EF4-FFF2-40B4-BE49-F238E27FC236}">
-                <a16:creationId xmlns:a16="http://schemas.microsoft.com/office/drawing/2014/main" id="{ADC4E36A-D7EE-4372-9EEC-CB2F9CE79110}"/>
+                <a16:creationId xmlns="" xmlns:a16="http://schemas.microsoft.com/office/drawing/2014/main" id="{ADC4E36A-D7EE-4372-9EEC-CB2F9CE79110}"/>
               </a:ext>
             </a:extLst>
           </p:cNvPr>
@@ -13814,7 +14707,7 @@
           <p:cNvPr id="9" name="Рисунок 8">
             <a:extLst>
               <a:ext uri="{FF2B5EF4-FFF2-40B4-BE49-F238E27FC236}">
-                <a16:creationId xmlns:a16="http://schemas.microsoft.com/office/drawing/2014/main" id="{3CA0D09C-231E-4FDE-8BC1-2D3BB10D0D5A}"/>
+                <a16:creationId xmlns="" xmlns:a16="http://schemas.microsoft.com/office/drawing/2014/main" id="{3CA0D09C-231E-4FDE-8BC1-2D3BB10D0D5A}"/>
               </a:ext>
             </a:extLst>
           </p:cNvPr>
@@ -13850,7 +14743,7 @@
           <p:cNvPr id="11" name="Рисунок 10">
             <a:extLst>
               <a:ext uri="{FF2B5EF4-FFF2-40B4-BE49-F238E27FC236}">
-                <a16:creationId xmlns:a16="http://schemas.microsoft.com/office/drawing/2014/main" id="{69B106EF-7921-438C-9FD1-45CF73B6F9AC}"/>
+                <a16:creationId xmlns="" xmlns:a16="http://schemas.microsoft.com/office/drawing/2014/main" id="{69B106EF-7921-438C-9FD1-45CF73B6F9AC}"/>
               </a:ext>
             </a:extLst>
           </p:cNvPr>
@@ -14183,7 +15076,7 @@
   <a:extraClrSchemeLst/>
   <a:extLst>
     <a:ext uri="{05A4C25C-085E-4340-85A3-A5531E510DB2}">
-      <thm15:themeFamily xmlns:thm15="http://schemas.microsoft.com/office/thememl/2012/main" name="Office Theme" id="{62F939B6-93AF-4DB8-9C6B-D6C7DFDC589F}" vid="{4A3C46E8-61CC-4603-A589-7422A47A8E4A}"/>
+      <thm15:themeFamily xmlns="" xmlns:thm15="http://schemas.microsoft.com/office/thememl/2012/main" name="Office Theme" id="{62F939B6-93AF-4DB8-9C6B-D6C7DFDC589F}" vid="{4A3C46E8-61CC-4603-A589-7422A47A8E4A}"/>
     </a:ext>
   </a:extLst>
 </a:theme>
@@ -14478,7 +15371,7 @@
   <a:extraClrSchemeLst/>
   <a:extLst>
     <a:ext uri="{05A4C25C-085E-4340-85A3-A5531E510DB2}">
-      <thm15:themeFamily xmlns:thm15="http://schemas.microsoft.com/office/thememl/2012/main" name="Office Theme" id="{62F939B6-93AF-4DB8-9C6B-D6C7DFDC589F}" vid="{4A3C46E8-61CC-4603-A589-7422A47A8E4A}"/>
+      <thm15:themeFamily xmlns="" xmlns:thm15="http://schemas.microsoft.com/office/thememl/2012/main" name="Office Theme" id="{62F939B6-93AF-4DB8-9C6B-D6C7DFDC589F}" vid="{4A3C46E8-61CC-4603-A589-7422A47A8E4A}"/>
     </a:ext>
   </a:extLst>
 </a:theme>
